--- a/docs/phase_three_docs/Phase_Three_Presentation.pptx
+++ b/docs/phase_three_docs/Phase_Three_Presentation.pptx
@@ -4,6 +4,9 @@
   <p:sldMasterIdLst>
     <p:sldMasterId id="2147483648" r:id="rId1"/>
   </p:sldMasterIdLst>
+  <p:notesMasterIdLst>
+    <p:notesMasterId r:id="rId13"/>
+  </p:notesMasterIdLst>
   <p:sldIdLst>
     <p:sldId id="266" r:id="rId2"/>
     <p:sldId id="256" r:id="rId3"/>
@@ -1870,7 +1873,7 @@
           <a:pPr algn="ctr"/>
           <a:r>
             <a:rPr lang="en-US" dirty="0"/>
-            <a:t>Groceries -&gt; Computer Parts</a:t>
+            <a:t>Groceries to Computer Parts</a:t>
           </a:r>
         </a:p>
       </dgm:t>
@@ -2289,7 +2292,7 @@
   <dgm:whole/>
   <dgm:extLst>
     <a:ext uri="http://schemas.microsoft.com/office/drawing/2008/diagram">
-      <dsp:dataModelExt xmlns:dsp="http://schemas.microsoft.com/office/drawing/2008/diagram" relId="rId6" minVer="http://schemas.openxmlformats.org/drawingml/2006/diagram"/>
+      <dsp:dataModelExt xmlns:dsp="http://schemas.microsoft.com/office/drawing/2008/diagram" relId="rId7" minVer="http://schemas.openxmlformats.org/drawingml/2006/diagram"/>
     </a:ext>
   </dgm:extLst>
 </dgm:dataModel>
@@ -2480,7 +2483,7 @@
   <dgm:whole/>
   <dgm:extLst>
     <a:ext uri="http://schemas.microsoft.com/office/drawing/2008/diagram">
-      <dsp:dataModelExt xmlns:dsp="http://schemas.microsoft.com/office/drawing/2008/diagram" relId="rId7" minVer="http://schemas.openxmlformats.org/drawingml/2006/diagram"/>
+      <dsp:dataModelExt xmlns:dsp="http://schemas.microsoft.com/office/drawing/2008/diagram" relId="rId8" minVer="http://schemas.openxmlformats.org/drawingml/2006/diagram"/>
     </a:ext>
   </dgm:extLst>
 </dgm:dataModel>
@@ -2574,7 +2577,7 @@
           </a:pPr>
           <a:r>
             <a:rPr lang="en-US" sz="2100" kern="1200" dirty="0"/>
-            <a:t>Groceries -&gt; Computer Parts</a:t>
+            <a:t>Groceries to Computer Parts</a:t>
           </a:r>
         </a:p>
         <a:p>
@@ -5710,6 +5713,1479 @@
 </dgm:styleDef>
 </file>
 
+<file path=ppt/notesMasters/notesMaster1.xml><?xml version="1.0" encoding="utf-8"?>
+<p:notesMaster xmlns:a="http://schemas.openxmlformats.org/drawingml/2006/main" xmlns:r="http://schemas.openxmlformats.org/officeDocument/2006/relationships" xmlns:p="http://schemas.openxmlformats.org/presentationml/2006/main">
+  <p:cSld>
+    <p:bg>
+      <p:bgRef idx="1001">
+        <a:schemeClr val="bg1"/>
+      </p:bgRef>
+    </p:bg>
+    <p:spTree>
+      <p:nvGrpSpPr>
+        <p:cNvPr id="1" name=""/>
+        <p:cNvGrpSpPr/>
+        <p:nvPr/>
+      </p:nvGrpSpPr>
+      <p:grpSpPr>
+        <a:xfrm>
+          <a:off x="0" y="0"/>
+          <a:ext cx="0" cy="0"/>
+          <a:chOff x="0" y="0"/>
+          <a:chExt cx="0" cy="0"/>
+        </a:xfrm>
+      </p:grpSpPr>
+      <p:sp>
+        <p:nvSpPr>
+          <p:cNvPr id="2" name="Header Placeholder 1"/>
+          <p:cNvSpPr>
+            <a:spLocks noGrp="1"/>
+          </p:cNvSpPr>
+          <p:nvPr>
+            <p:ph type="hdr" sz="quarter"/>
+          </p:nvPr>
+        </p:nvSpPr>
+        <p:spPr>
+          <a:xfrm>
+            <a:off x="0" y="0"/>
+            <a:ext cx="2971800" cy="458788"/>
+          </a:xfrm>
+          <a:prstGeom prst="rect">
+            <a:avLst/>
+          </a:prstGeom>
+        </p:spPr>
+        <p:txBody>
+          <a:bodyPr vert="horz" lIns="91440" tIns="45720" rIns="91440" bIns="45720" rtlCol="0"/>
+          <a:lstStyle>
+            <a:lvl1pPr algn="l">
+              <a:defRPr sz="1200"/>
+            </a:lvl1pPr>
+          </a:lstStyle>
+          <a:p>
+            <a:endParaRPr lang="en-US"/>
+          </a:p>
+        </p:txBody>
+      </p:sp>
+      <p:sp>
+        <p:nvSpPr>
+          <p:cNvPr id="3" name="Date Placeholder 2"/>
+          <p:cNvSpPr>
+            <a:spLocks noGrp="1"/>
+          </p:cNvSpPr>
+          <p:nvPr>
+            <p:ph type="dt" idx="1"/>
+          </p:nvPr>
+        </p:nvSpPr>
+        <p:spPr>
+          <a:xfrm>
+            <a:off x="3884613" y="0"/>
+            <a:ext cx="2971800" cy="458788"/>
+          </a:xfrm>
+          <a:prstGeom prst="rect">
+            <a:avLst/>
+          </a:prstGeom>
+        </p:spPr>
+        <p:txBody>
+          <a:bodyPr vert="horz" lIns="91440" tIns="45720" rIns="91440" bIns="45720" rtlCol="0"/>
+          <a:lstStyle>
+            <a:lvl1pPr algn="r">
+              <a:defRPr sz="1200"/>
+            </a:lvl1pPr>
+          </a:lstStyle>
+          <a:p>
+            <a:fld id="{733A5DD6-FD79-4602-B3CA-512D458B09D3}" type="datetimeFigureOut">
+              <a:rPr lang="en-US" smtClean="0"/>
+              <a:t>4/13/2025</a:t>
+            </a:fld>
+            <a:endParaRPr lang="en-US"/>
+          </a:p>
+        </p:txBody>
+      </p:sp>
+      <p:sp>
+        <p:nvSpPr>
+          <p:cNvPr id="4" name="Slide Image Placeholder 3"/>
+          <p:cNvSpPr>
+            <a:spLocks noGrp="1" noRot="1" noChangeAspect="1"/>
+          </p:cNvSpPr>
+          <p:nvPr>
+            <p:ph type="sldImg" idx="2"/>
+          </p:nvPr>
+        </p:nvSpPr>
+        <p:spPr>
+          <a:xfrm>
+            <a:off x="685800" y="1143000"/>
+            <a:ext cx="5486400" cy="3086100"/>
+          </a:xfrm>
+          <a:prstGeom prst="rect">
+            <a:avLst/>
+          </a:prstGeom>
+          <a:noFill/>
+          <a:ln w="12700">
+            <a:solidFill>
+              <a:prstClr val="black"/>
+            </a:solidFill>
+          </a:ln>
+        </p:spPr>
+        <p:txBody>
+          <a:bodyPr vert="horz" lIns="91440" tIns="45720" rIns="91440" bIns="45720" rtlCol="0" anchor="ctr"/>
+          <a:lstStyle/>
+          <a:p>
+            <a:endParaRPr lang="en-US"/>
+          </a:p>
+        </p:txBody>
+      </p:sp>
+      <p:sp>
+        <p:nvSpPr>
+          <p:cNvPr id="5" name="Notes Placeholder 4"/>
+          <p:cNvSpPr>
+            <a:spLocks noGrp="1"/>
+          </p:cNvSpPr>
+          <p:nvPr>
+            <p:ph type="body" sz="quarter" idx="3"/>
+          </p:nvPr>
+        </p:nvSpPr>
+        <p:spPr>
+          <a:xfrm>
+            <a:off x="685800" y="4400550"/>
+            <a:ext cx="5486400" cy="3600450"/>
+          </a:xfrm>
+          <a:prstGeom prst="rect">
+            <a:avLst/>
+          </a:prstGeom>
+        </p:spPr>
+        <p:txBody>
+          <a:bodyPr vert="horz" lIns="91440" tIns="45720" rIns="91440" bIns="45720" rtlCol="0"/>
+          <a:lstStyle/>
+          <a:p>
+            <a:pPr lvl="0"/>
+            <a:r>
+              <a:rPr lang="en-US"/>
+              <a:t>Click to edit Master text styles</a:t>
+            </a:r>
+          </a:p>
+          <a:p>
+            <a:pPr lvl="1"/>
+            <a:r>
+              <a:rPr lang="en-US"/>
+              <a:t>Second level</a:t>
+            </a:r>
+          </a:p>
+          <a:p>
+            <a:pPr lvl="2"/>
+            <a:r>
+              <a:rPr lang="en-US"/>
+              <a:t>Third level</a:t>
+            </a:r>
+          </a:p>
+          <a:p>
+            <a:pPr lvl="3"/>
+            <a:r>
+              <a:rPr lang="en-US"/>
+              <a:t>Fourth level</a:t>
+            </a:r>
+          </a:p>
+          <a:p>
+            <a:pPr lvl="4"/>
+            <a:r>
+              <a:rPr lang="en-US"/>
+              <a:t>Fifth level</a:t>
+            </a:r>
+          </a:p>
+        </p:txBody>
+      </p:sp>
+      <p:sp>
+        <p:nvSpPr>
+          <p:cNvPr id="6" name="Footer Placeholder 5"/>
+          <p:cNvSpPr>
+            <a:spLocks noGrp="1"/>
+          </p:cNvSpPr>
+          <p:nvPr>
+            <p:ph type="ftr" sz="quarter" idx="4"/>
+          </p:nvPr>
+        </p:nvSpPr>
+        <p:spPr>
+          <a:xfrm>
+            <a:off x="0" y="8685213"/>
+            <a:ext cx="2971800" cy="458787"/>
+          </a:xfrm>
+          <a:prstGeom prst="rect">
+            <a:avLst/>
+          </a:prstGeom>
+        </p:spPr>
+        <p:txBody>
+          <a:bodyPr vert="horz" lIns="91440" tIns="45720" rIns="91440" bIns="45720" rtlCol="0" anchor="b"/>
+          <a:lstStyle>
+            <a:lvl1pPr algn="l">
+              <a:defRPr sz="1200"/>
+            </a:lvl1pPr>
+          </a:lstStyle>
+          <a:p>
+            <a:endParaRPr lang="en-US"/>
+          </a:p>
+        </p:txBody>
+      </p:sp>
+      <p:sp>
+        <p:nvSpPr>
+          <p:cNvPr id="7" name="Slide Number Placeholder 6"/>
+          <p:cNvSpPr>
+            <a:spLocks noGrp="1"/>
+          </p:cNvSpPr>
+          <p:nvPr>
+            <p:ph type="sldNum" sz="quarter" idx="5"/>
+          </p:nvPr>
+        </p:nvSpPr>
+        <p:spPr>
+          <a:xfrm>
+            <a:off x="3884613" y="8685213"/>
+            <a:ext cx="2971800" cy="458787"/>
+          </a:xfrm>
+          <a:prstGeom prst="rect">
+            <a:avLst/>
+          </a:prstGeom>
+        </p:spPr>
+        <p:txBody>
+          <a:bodyPr vert="horz" lIns="91440" tIns="45720" rIns="91440" bIns="45720" rtlCol="0" anchor="b"/>
+          <a:lstStyle>
+            <a:lvl1pPr algn="r">
+              <a:defRPr sz="1200"/>
+            </a:lvl1pPr>
+          </a:lstStyle>
+          <a:p>
+            <a:fld id="{DD0E7A49-501F-48D8-9825-E673D9DE7090}" type="slidenum">
+              <a:rPr lang="en-US" smtClean="0"/>
+              <a:t>‹#›</a:t>
+            </a:fld>
+            <a:endParaRPr lang="en-US"/>
+          </a:p>
+        </p:txBody>
+      </p:sp>
+    </p:spTree>
+    <p:extLst>
+      <p:ext uri="{BB962C8B-B14F-4D97-AF65-F5344CB8AC3E}">
+        <p14:creationId xmlns:p14="http://schemas.microsoft.com/office/powerpoint/2010/main" val="2233960575"/>
+      </p:ext>
+    </p:extLst>
+  </p:cSld>
+  <p:clrMap bg1="lt1" tx1="dk1" bg2="lt2" tx2="dk2" accent1="accent1" accent2="accent2" accent3="accent3" accent4="accent4" accent5="accent5" accent6="accent6" hlink="hlink" folHlink="folHlink"/>
+  <p:notesStyle>
+    <a:lvl1pPr marL="0" algn="l" defTabSz="914400" rtl="0" eaLnBrk="1" latinLnBrk="0" hangingPunct="1">
+      <a:defRPr sz="1200" kern="1200">
+        <a:solidFill>
+          <a:schemeClr val="tx1"/>
+        </a:solidFill>
+        <a:latin typeface="+mn-lt"/>
+        <a:ea typeface="+mn-ea"/>
+        <a:cs typeface="+mn-cs"/>
+      </a:defRPr>
+    </a:lvl1pPr>
+    <a:lvl2pPr marL="457200" algn="l" defTabSz="914400" rtl="0" eaLnBrk="1" latinLnBrk="0" hangingPunct="1">
+      <a:defRPr sz="1200" kern="1200">
+        <a:solidFill>
+          <a:schemeClr val="tx1"/>
+        </a:solidFill>
+        <a:latin typeface="+mn-lt"/>
+        <a:ea typeface="+mn-ea"/>
+        <a:cs typeface="+mn-cs"/>
+      </a:defRPr>
+    </a:lvl2pPr>
+    <a:lvl3pPr marL="914400" algn="l" defTabSz="914400" rtl="0" eaLnBrk="1" latinLnBrk="0" hangingPunct="1">
+      <a:defRPr sz="1200" kern="1200">
+        <a:solidFill>
+          <a:schemeClr val="tx1"/>
+        </a:solidFill>
+        <a:latin typeface="+mn-lt"/>
+        <a:ea typeface="+mn-ea"/>
+        <a:cs typeface="+mn-cs"/>
+      </a:defRPr>
+    </a:lvl3pPr>
+    <a:lvl4pPr marL="1371600" algn="l" defTabSz="914400" rtl="0" eaLnBrk="1" latinLnBrk="0" hangingPunct="1">
+      <a:defRPr sz="1200" kern="1200">
+        <a:solidFill>
+          <a:schemeClr val="tx1"/>
+        </a:solidFill>
+        <a:latin typeface="+mn-lt"/>
+        <a:ea typeface="+mn-ea"/>
+        <a:cs typeface="+mn-cs"/>
+      </a:defRPr>
+    </a:lvl4pPr>
+    <a:lvl5pPr marL="1828800" algn="l" defTabSz="914400" rtl="0" eaLnBrk="1" latinLnBrk="0" hangingPunct="1">
+      <a:defRPr sz="1200" kern="1200">
+        <a:solidFill>
+          <a:schemeClr val="tx1"/>
+        </a:solidFill>
+        <a:latin typeface="+mn-lt"/>
+        <a:ea typeface="+mn-ea"/>
+        <a:cs typeface="+mn-cs"/>
+      </a:defRPr>
+    </a:lvl5pPr>
+    <a:lvl6pPr marL="2286000" algn="l" defTabSz="914400" rtl="0" eaLnBrk="1" latinLnBrk="0" hangingPunct="1">
+      <a:defRPr sz="1200" kern="1200">
+        <a:solidFill>
+          <a:schemeClr val="tx1"/>
+        </a:solidFill>
+        <a:latin typeface="+mn-lt"/>
+        <a:ea typeface="+mn-ea"/>
+        <a:cs typeface="+mn-cs"/>
+      </a:defRPr>
+    </a:lvl6pPr>
+    <a:lvl7pPr marL="2743200" algn="l" defTabSz="914400" rtl="0" eaLnBrk="1" latinLnBrk="0" hangingPunct="1">
+      <a:defRPr sz="1200" kern="1200">
+        <a:solidFill>
+          <a:schemeClr val="tx1"/>
+        </a:solidFill>
+        <a:latin typeface="+mn-lt"/>
+        <a:ea typeface="+mn-ea"/>
+        <a:cs typeface="+mn-cs"/>
+      </a:defRPr>
+    </a:lvl7pPr>
+    <a:lvl8pPr marL="3200400" algn="l" defTabSz="914400" rtl="0" eaLnBrk="1" latinLnBrk="0" hangingPunct="1">
+      <a:defRPr sz="1200" kern="1200">
+        <a:solidFill>
+          <a:schemeClr val="tx1"/>
+        </a:solidFill>
+        <a:latin typeface="+mn-lt"/>
+        <a:ea typeface="+mn-ea"/>
+        <a:cs typeface="+mn-cs"/>
+      </a:defRPr>
+    </a:lvl8pPr>
+    <a:lvl9pPr marL="3657600" algn="l" defTabSz="914400" rtl="0" eaLnBrk="1" latinLnBrk="0" hangingPunct="1">
+      <a:defRPr sz="1200" kern="1200">
+        <a:solidFill>
+          <a:schemeClr val="tx1"/>
+        </a:solidFill>
+        <a:latin typeface="+mn-lt"/>
+        <a:ea typeface="+mn-ea"/>
+        <a:cs typeface="+mn-cs"/>
+      </a:defRPr>
+    </a:lvl9pPr>
+  </p:notesStyle>
+</p:notesMaster>
+</file>
+
+<file path=ppt/notesSlides/notesSlide1.xml><?xml version="1.0" encoding="utf-8"?>
+<p:notes xmlns:a="http://schemas.openxmlformats.org/drawingml/2006/main" xmlns:r="http://schemas.openxmlformats.org/officeDocument/2006/relationships" xmlns:p="http://schemas.openxmlformats.org/presentationml/2006/main">
+  <p:cSld>
+    <p:spTree>
+      <p:nvGrpSpPr>
+        <p:cNvPr id="1" name=""/>
+        <p:cNvGrpSpPr/>
+        <p:nvPr/>
+      </p:nvGrpSpPr>
+      <p:grpSpPr>
+        <a:xfrm>
+          <a:off x="0" y="0"/>
+          <a:ext cx="0" cy="0"/>
+          <a:chOff x="0" y="0"/>
+          <a:chExt cx="0" cy="0"/>
+        </a:xfrm>
+      </p:grpSpPr>
+      <p:sp>
+        <p:nvSpPr>
+          <p:cNvPr id="2" name="Slide Image Placeholder 1"/>
+          <p:cNvSpPr>
+            <a:spLocks noGrp="1" noRot="1" noChangeAspect="1"/>
+          </p:cNvSpPr>
+          <p:nvPr>
+            <p:ph type="sldImg"/>
+          </p:nvPr>
+        </p:nvSpPr>
+        <p:spPr/>
+      </p:sp>
+      <p:sp>
+        <p:nvSpPr>
+          <p:cNvPr id="3" name="Notes Placeholder 2"/>
+          <p:cNvSpPr>
+            <a:spLocks noGrp="1"/>
+          </p:cNvSpPr>
+          <p:nvPr>
+            <p:ph type="body" idx="1"/>
+          </p:nvPr>
+        </p:nvSpPr>
+        <p:spPr/>
+        <p:txBody>
+          <a:bodyPr/>
+          <a:lstStyle/>
+          <a:p>
+            <a:r>
+              <a:rPr lang="en-US" dirty="0"/>
+              <a:t>Transition slide (none)</a:t>
+            </a:r>
+          </a:p>
+        </p:txBody>
+      </p:sp>
+      <p:sp>
+        <p:nvSpPr>
+          <p:cNvPr id="4" name="Slide Number Placeholder 3"/>
+          <p:cNvSpPr>
+            <a:spLocks noGrp="1"/>
+          </p:cNvSpPr>
+          <p:nvPr>
+            <p:ph type="sldNum" sz="quarter" idx="5"/>
+          </p:nvPr>
+        </p:nvSpPr>
+        <p:spPr/>
+        <p:txBody>
+          <a:bodyPr/>
+          <a:lstStyle/>
+          <a:p>
+            <a:fld id="{DD0E7A49-501F-48D8-9825-E673D9DE7090}" type="slidenum">
+              <a:rPr lang="en-US" smtClean="0"/>
+              <a:t>1</a:t>
+            </a:fld>
+            <a:endParaRPr lang="en-US"/>
+          </a:p>
+        </p:txBody>
+      </p:sp>
+    </p:spTree>
+    <p:extLst>
+      <p:ext uri="{BB962C8B-B14F-4D97-AF65-F5344CB8AC3E}">
+        <p14:creationId xmlns:p14="http://schemas.microsoft.com/office/powerpoint/2010/main" val="1741962126"/>
+      </p:ext>
+    </p:extLst>
+  </p:cSld>
+  <p:clrMapOvr>
+    <a:masterClrMapping/>
+  </p:clrMapOvr>
+</p:notes>
+</file>
+
+<file path=ppt/notesSlides/notesSlide10.xml><?xml version="1.0" encoding="utf-8"?>
+<p:notes xmlns:a="http://schemas.openxmlformats.org/drawingml/2006/main" xmlns:r="http://schemas.openxmlformats.org/officeDocument/2006/relationships" xmlns:p="http://schemas.openxmlformats.org/presentationml/2006/main">
+  <p:cSld>
+    <p:spTree>
+      <p:nvGrpSpPr>
+        <p:cNvPr id="1" name=""/>
+        <p:cNvGrpSpPr/>
+        <p:nvPr/>
+      </p:nvGrpSpPr>
+      <p:grpSpPr>
+        <a:xfrm>
+          <a:off x="0" y="0"/>
+          <a:ext cx="0" cy="0"/>
+          <a:chOff x="0" y="0"/>
+          <a:chExt cx="0" cy="0"/>
+        </a:xfrm>
+      </p:grpSpPr>
+      <p:sp>
+        <p:nvSpPr>
+          <p:cNvPr id="2" name="Slide Image Placeholder 1"/>
+          <p:cNvSpPr>
+            <a:spLocks noGrp="1" noRot="1" noChangeAspect="1"/>
+          </p:cNvSpPr>
+          <p:nvPr>
+            <p:ph type="sldImg"/>
+          </p:nvPr>
+        </p:nvSpPr>
+        <p:spPr/>
+      </p:sp>
+      <p:sp>
+        <p:nvSpPr>
+          <p:cNvPr id="3" name="Notes Placeholder 2"/>
+          <p:cNvSpPr>
+            <a:spLocks noGrp="1"/>
+          </p:cNvSpPr>
+          <p:nvPr>
+            <p:ph type="body" idx="1"/>
+          </p:nvPr>
+        </p:nvSpPr>
+        <p:spPr/>
+        <p:txBody>
+          <a:bodyPr/>
+          <a:lstStyle/>
+          <a:p>
+            <a:r>
+              <a:rPr lang="en-US" dirty="0"/>
+              <a:t>Justin</a:t>
+            </a:r>
+          </a:p>
+        </p:txBody>
+      </p:sp>
+      <p:sp>
+        <p:nvSpPr>
+          <p:cNvPr id="4" name="Slide Number Placeholder 3"/>
+          <p:cNvSpPr>
+            <a:spLocks noGrp="1"/>
+          </p:cNvSpPr>
+          <p:nvPr>
+            <p:ph type="sldNum" sz="quarter" idx="5"/>
+          </p:nvPr>
+        </p:nvSpPr>
+        <p:spPr/>
+        <p:txBody>
+          <a:bodyPr/>
+          <a:lstStyle/>
+          <a:p>
+            <a:fld id="{DD0E7A49-501F-48D8-9825-E673D9DE7090}" type="slidenum">
+              <a:rPr lang="en-US" smtClean="0"/>
+              <a:t>10</a:t>
+            </a:fld>
+            <a:endParaRPr lang="en-US"/>
+          </a:p>
+        </p:txBody>
+      </p:sp>
+    </p:spTree>
+    <p:extLst>
+      <p:ext uri="{BB962C8B-B14F-4D97-AF65-F5344CB8AC3E}">
+        <p14:creationId xmlns:p14="http://schemas.microsoft.com/office/powerpoint/2010/main" val="2708595097"/>
+      </p:ext>
+    </p:extLst>
+  </p:cSld>
+  <p:clrMapOvr>
+    <a:masterClrMapping/>
+  </p:clrMapOvr>
+</p:notes>
+</file>
+
+<file path=ppt/notesSlides/notesSlide11.xml><?xml version="1.0" encoding="utf-8"?>
+<p:notes xmlns:a="http://schemas.openxmlformats.org/drawingml/2006/main" xmlns:r="http://schemas.openxmlformats.org/officeDocument/2006/relationships" xmlns:p="http://schemas.openxmlformats.org/presentationml/2006/main">
+  <p:cSld>
+    <p:spTree>
+      <p:nvGrpSpPr>
+        <p:cNvPr id="1" name=""/>
+        <p:cNvGrpSpPr/>
+        <p:nvPr/>
+      </p:nvGrpSpPr>
+      <p:grpSpPr>
+        <a:xfrm>
+          <a:off x="0" y="0"/>
+          <a:ext cx="0" cy="0"/>
+          <a:chOff x="0" y="0"/>
+          <a:chExt cx="0" cy="0"/>
+        </a:xfrm>
+      </p:grpSpPr>
+      <p:sp>
+        <p:nvSpPr>
+          <p:cNvPr id="2" name="Slide Image Placeholder 1"/>
+          <p:cNvSpPr>
+            <a:spLocks noGrp="1" noRot="1" noChangeAspect="1"/>
+          </p:cNvSpPr>
+          <p:nvPr>
+            <p:ph type="sldImg"/>
+          </p:nvPr>
+        </p:nvSpPr>
+        <p:spPr/>
+      </p:sp>
+      <p:sp>
+        <p:nvSpPr>
+          <p:cNvPr id="3" name="Notes Placeholder 2"/>
+          <p:cNvSpPr>
+            <a:spLocks noGrp="1"/>
+          </p:cNvSpPr>
+          <p:nvPr>
+            <p:ph type="body" idx="1"/>
+          </p:nvPr>
+        </p:nvSpPr>
+        <p:spPr/>
+        <p:txBody>
+          <a:bodyPr/>
+          <a:lstStyle/>
+          <a:p>
+            <a:r>
+              <a:rPr lang="en-US"/>
+              <a:t>Patrick</a:t>
+            </a:r>
+          </a:p>
+        </p:txBody>
+      </p:sp>
+      <p:sp>
+        <p:nvSpPr>
+          <p:cNvPr id="4" name="Slide Number Placeholder 3"/>
+          <p:cNvSpPr>
+            <a:spLocks noGrp="1"/>
+          </p:cNvSpPr>
+          <p:nvPr>
+            <p:ph type="sldNum" sz="quarter" idx="5"/>
+          </p:nvPr>
+        </p:nvSpPr>
+        <p:spPr/>
+        <p:txBody>
+          <a:bodyPr/>
+          <a:lstStyle/>
+          <a:p>
+            <a:fld id="{DD0E7A49-501F-48D8-9825-E673D9DE7090}" type="slidenum">
+              <a:rPr lang="en-US" smtClean="0"/>
+              <a:t>11</a:t>
+            </a:fld>
+            <a:endParaRPr lang="en-US"/>
+          </a:p>
+        </p:txBody>
+      </p:sp>
+    </p:spTree>
+    <p:extLst>
+      <p:ext uri="{BB962C8B-B14F-4D97-AF65-F5344CB8AC3E}">
+        <p14:creationId xmlns:p14="http://schemas.microsoft.com/office/powerpoint/2010/main" val="1462213831"/>
+      </p:ext>
+    </p:extLst>
+  </p:cSld>
+  <p:clrMapOvr>
+    <a:masterClrMapping/>
+  </p:clrMapOvr>
+</p:notes>
+</file>
+
+<file path=ppt/notesSlides/notesSlide2.xml><?xml version="1.0" encoding="utf-8"?>
+<p:notes xmlns:a="http://schemas.openxmlformats.org/drawingml/2006/main" xmlns:r="http://schemas.openxmlformats.org/officeDocument/2006/relationships" xmlns:p="http://schemas.openxmlformats.org/presentationml/2006/main">
+  <p:cSld>
+    <p:spTree>
+      <p:nvGrpSpPr>
+        <p:cNvPr id="1" name=""/>
+        <p:cNvGrpSpPr/>
+        <p:nvPr/>
+      </p:nvGrpSpPr>
+      <p:grpSpPr>
+        <a:xfrm>
+          <a:off x="0" y="0"/>
+          <a:ext cx="0" cy="0"/>
+          <a:chOff x="0" y="0"/>
+          <a:chExt cx="0" cy="0"/>
+        </a:xfrm>
+      </p:grpSpPr>
+      <p:sp>
+        <p:nvSpPr>
+          <p:cNvPr id="2" name="Slide Image Placeholder 1"/>
+          <p:cNvSpPr>
+            <a:spLocks noGrp="1" noRot="1" noChangeAspect="1"/>
+          </p:cNvSpPr>
+          <p:nvPr>
+            <p:ph type="sldImg"/>
+          </p:nvPr>
+        </p:nvSpPr>
+        <p:spPr/>
+      </p:sp>
+      <p:sp>
+        <p:nvSpPr>
+          <p:cNvPr id="3" name="Notes Placeholder 2"/>
+          <p:cNvSpPr>
+            <a:spLocks noGrp="1"/>
+          </p:cNvSpPr>
+          <p:nvPr>
+            <p:ph type="body" idx="1"/>
+          </p:nvPr>
+        </p:nvSpPr>
+        <p:spPr/>
+        <p:txBody>
+          <a:bodyPr/>
+          <a:lstStyle/>
+          <a:p>
+            <a:r>
+              <a:rPr lang="en-US" dirty="0"/>
+              <a:t>Patrick</a:t>
+            </a:r>
+          </a:p>
+        </p:txBody>
+      </p:sp>
+      <p:sp>
+        <p:nvSpPr>
+          <p:cNvPr id="4" name="Slide Number Placeholder 3"/>
+          <p:cNvSpPr>
+            <a:spLocks noGrp="1"/>
+          </p:cNvSpPr>
+          <p:nvPr>
+            <p:ph type="sldNum" sz="quarter" idx="5"/>
+          </p:nvPr>
+        </p:nvSpPr>
+        <p:spPr/>
+        <p:txBody>
+          <a:bodyPr/>
+          <a:lstStyle/>
+          <a:p>
+            <a:fld id="{DD0E7A49-501F-48D8-9825-E673D9DE7090}" type="slidenum">
+              <a:rPr lang="en-US" smtClean="0"/>
+              <a:t>2</a:t>
+            </a:fld>
+            <a:endParaRPr lang="en-US"/>
+          </a:p>
+        </p:txBody>
+      </p:sp>
+    </p:spTree>
+    <p:extLst>
+      <p:ext uri="{BB962C8B-B14F-4D97-AF65-F5344CB8AC3E}">
+        <p14:creationId xmlns:p14="http://schemas.microsoft.com/office/powerpoint/2010/main" val="427077006"/>
+      </p:ext>
+    </p:extLst>
+  </p:cSld>
+  <p:clrMapOvr>
+    <a:masterClrMapping/>
+  </p:clrMapOvr>
+</p:notes>
+</file>
+
+<file path=ppt/notesSlides/notesSlide3.xml><?xml version="1.0" encoding="utf-8"?>
+<p:notes xmlns:a="http://schemas.openxmlformats.org/drawingml/2006/main" xmlns:r="http://schemas.openxmlformats.org/officeDocument/2006/relationships" xmlns:p="http://schemas.openxmlformats.org/presentationml/2006/main">
+  <p:cSld>
+    <p:spTree>
+      <p:nvGrpSpPr>
+        <p:cNvPr id="1" name=""/>
+        <p:cNvGrpSpPr/>
+        <p:nvPr/>
+      </p:nvGrpSpPr>
+      <p:grpSpPr>
+        <a:xfrm>
+          <a:off x="0" y="0"/>
+          <a:ext cx="0" cy="0"/>
+          <a:chOff x="0" y="0"/>
+          <a:chExt cx="0" cy="0"/>
+        </a:xfrm>
+      </p:grpSpPr>
+      <p:sp>
+        <p:nvSpPr>
+          <p:cNvPr id="2" name="Slide Image Placeholder 1"/>
+          <p:cNvSpPr>
+            <a:spLocks noGrp="1" noRot="1" noChangeAspect="1"/>
+          </p:cNvSpPr>
+          <p:nvPr>
+            <p:ph type="sldImg"/>
+          </p:nvPr>
+        </p:nvSpPr>
+        <p:spPr/>
+      </p:sp>
+      <p:sp>
+        <p:nvSpPr>
+          <p:cNvPr id="3" name="Notes Placeholder 2"/>
+          <p:cNvSpPr>
+            <a:spLocks noGrp="1"/>
+          </p:cNvSpPr>
+          <p:nvPr>
+            <p:ph type="body" idx="1"/>
+          </p:nvPr>
+        </p:nvSpPr>
+        <p:spPr/>
+        <p:txBody>
+          <a:bodyPr/>
+          <a:lstStyle/>
+          <a:p>
+            <a:r>
+              <a:rPr lang="en-US" dirty="0"/>
+              <a:t>Patrick</a:t>
+            </a:r>
+          </a:p>
+        </p:txBody>
+      </p:sp>
+      <p:sp>
+        <p:nvSpPr>
+          <p:cNvPr id="4" name="Slide Number Placeholder 3"/>
+          <p:cNvSpPr>
+            <a:spLocks noGrp="1"/>
+          </p:cNvSpPr>
+          <p:nvPr>
+            <p:ph type="sldNum" sz="quarter" idx="5"/>
+          </p:nvPr>
+        </p:nvSpPr>
+        <p:spPr/>
+        <p:txBody>
+          <a:bodyPr/>
+          <a:lstStyle/>
+          <a:p>
+            <a:fld id="{DD0E7A49-501F-48D8-9825-E673D9DE7090}" type="slidenum">
+              <a:rPr lang="en-US" smtClean="0"/>
+              <a:t>3</a:t>
+            </a:fld>
+            <a:endParaRPr lang="en-US"/>
+          </a:p>
+        </p:txBody>
+      </p:sp>
+    </p:spTree>
+    <p:extLst>
+      <p:ext uri="{BB962C8B-B14F-4D97-AF65-F5344CB8AC3E}">
+        <p14:creationId xmlns:p14="http://schemas.microsoft.com/office/powerpoint/2010/main" val="1505725406"/>
+      </p:ext>
+    </p:extLst>
+  </p:cSld>
+  <p:clrMapOvr>
+    <a:masterClrMapping/>
+  </p:clrMapOvr>
+</p:notes>
+</file>
+
+<file path=ppt/notesSlides/notesSlide4.xml><?xml version="1.0" encoding="utf-8"?>
+<p:notes xmlns:a="http://schemas.openxmlformats.org/drawingml/2006/main" xmlns:r="http://schemas.openxmlformats.org/officeDocument/2006/relationships" xmlns:p="http://schemas.openxmlformats.org/presentationml/2006/main">
+  <p:cSld>
+    <p:spTree>
+      <p:nvGrpSpPr>
+        <p:cNvPr id="1" name=""/>
+        <p:cNvGrpSpPr/>
+        <p:nvPr/>
+      </p:nvGrpSpPr>
+      <p:grpSpPr>
+        <a:xfrm>
+          <a:off x="0" y="0"/>
+          <a:ext cx="0" cy="0"/>
+          <a:chOff x="0" y="0"/>
+          <a:chExt cx="0" cy="0"/>
+        </a:xfrm>
+      </p:grpSpPr>
+      <p:sp>
+        <p:nvSpPr>
+          <p:cNvPr id="2" name="Slide Image Placeholder 1"/>
+          <p:cNvSpPr>
+            <a:spLocks noGrp="1" noRot="1" noChangeAspect="1"/>
+          </p:cNvSpPr>
+          <p:nvPr>
+            <p:ph type="sldImg"/>
+          </p:nvPr>
+        </p:nvSpPr>
+        <p:spPr/>
+      </p:sp>
+      <p:sp>
+        <p:nvSpPr>
+          <p:cNvPr id="3" name="Notes Placeholder 2"/>
+          <p:cNvSpPr>
+            <a:spLocks noGrp="1"/>
+          </p:cNvSpPr>
+          <p:nvPr>
+            <p:ph type="body" idx="1"/>
+          </p:nvPr>
+        </p:nvSpPr>
+        <p:spPr/>
+        <p:txBody>
+          <a:bodyPr/>
+          <a:lstStyle/>
+          <a:p>
+            <a:r>
+              <a:rPr lang="en-US" dirty="0"/>
+              <a:t>Justin</a:t>
+            </a:r>
+          </a:p>
+          <a:p>
+            <a:endParaRPr lang="en-US" dirty="0"/>
+          </a:p>
+          <a:p>
+            <a:r>
+              <a:rPr lang="en-US" dirty="0" err="1"/>
+              <a:t>get_stores</a:t>
+            </a:r>
+            <a:endParaRPr lang="en-US" dirty="0"/>
+          </a:p>
+          <a:p>
+            <a:r>
+              <a:rPr lang="en-US" sz="1200" dirty="0"/>
+              <a:t>- Fetches all available stores from the database (used in frontend dropdown. </a:t>
+            </a:r>
+          </a:p>
+          <a:p>
+            <a:r>
+              <a:rPr lang="en-US" sz="1200" dirty="0"/>
+              <a:t>- Includes error handling for </a:t>
+            </a:r>
+            <a:r>
+              <a:rPr lang="en-US" sz="1200" dirty="0" err="1"/>
+              <a:t>db</a:t>
+            </a:r>
+            <a:r>
+              <a:rPr lang="en-US" sz="1200" dirty="0"/>
+              <a:t> connection failures, timeouts and empty result sets</a:t>
+            </a:r>
+          </a:p>
+          <a:p>
+            <a:pPr>
+              <a:lnSpc>
+                <a:spcPct val="150000"/>
+              </a:lnSpc>
+            </a:pPr>
+            <a:endParaRPr lang="en-US" dirty="0"/>
+          </a:p>
+          <a:p>
+            <a:r>
+              <a:rPr lang="en-US" dirty="0" err="1"/>
+              <a:t>get_products</a:t>
+            </a:r>
+            <a:r>
+              <a:rPr lang="en-US" dirty="0"/>
+              <a:t> </a:t>
+            </a:r>
+          </a:p>
+          <a:p>
+            <a:r>
+              <a:rPr lang="en-US" sz="1200" dirty="0"/>
+              <a:t>- Returns a list of products associated with a specific store </a:t>
+            </a:r>
+          </a:p>
+          <a:p>
+            <a:pPr marL="0" indent="0">
+              <a:buFontTx/>
+              <a:buNone/>
+            </a:pPr>
+            <a:r>
+              <a:rPr lang="en-US" sz="1200" dirty="0"/>
+              <a:t>- Validates </a:t>
+            </a:r>
+            <a:r>
+              <a:rPr lang="en-US" sz="1200" dirty="0" err="1"/>
+              <a:t>store_id</a:t>
+            </a:r>
+            <a:r>
+              <a:rPr lang="en-US" sz="1200" dirty="0"/>
+              <a:t> input to make sure it isn’t empty or incorrectly formatted</a:t>
+            </a:r>
+          </a:p>
+          <a:p>
+            <a:pPr marL="0" indent="0">
+              <a:buFontTx/>
+              <a:buNone/>
+            </a:pPr>
+            <a:r>
+              <a:rPr lang="en-US" sz="1200" dirty="0"/>
+              <a:t>- Includes the same error handling as </a:t>
+            </a:r>
+            <a:r>
+              <a:rPr lang="en-US" sz="1200" dirty="0" err="1"/>
+              <a:t>get_stores</a:t>
+            </a:r>
+            <a:endParaRPr lang="en-US" sz="1200" dirty="0"/>
+          </a:p>
+        </p:txBody>
+      </p:sp>
+      <p:sp>
+        <p:nvSpPr>
+          <p:cNvPr id="4" name="Slide Number Placeholder 3"/>
+          <p:cNvSpPr>
+            <a:spLocks noGrp="1"/>
+          </p:cNvSpPr>
+          <p:nvPr>
+            <p:ph type="sldNum" sz="quarter" idx="5"/>
+          </p:nvPr>
+        </p:nvSpPr>
+        <p:spPr/>
+        <p:txBody>
+          <a:bodyPr/>
+          <a:lstStyle/>
+          <a:p>
+            <a:fld id="{DD0E7A49-501F-48D8-9825-E673D9DE7090}" type="slidenum">
+              <a:rPr lang="en-US" smtClean="0"/>
+              <a:t>4</a:t>
+            </a:fld>
+            <a:endParaRPr lang="en-US"/>
+          </a:p>
+        </p:txBody>
+      </p:sp>
+    </p:spTree>
+    <p:extLst>
+      <p:ext uri="{BB962C8B-B14F-4D97-AF65-F5344CB8AC3E}">
+        <p14:creationId xmlns:p14="http://schemas.microsoft.com/office/powerpoint/2010/main" val="1404854123"/>
+      </p:ext>
+    </p:extLst>
+  </p:cSld>
+  <p:clrMapOvr>
+    <a:masterClrMapping/>
+  </p:clrMapOvr>
+</p:notes>
+</file>
+
+<file path=ppt/notesSlides/notesSlide5.xml><?xml version="1.0" encoding="utf-8"?>
+<p:notes xmlns:a="http://schemas.openxmlformats.org/drawingml/2006/main" xmlns:r="http://schemas.openxmlformats.org/officeDocument/2006/relationships" xmlns:p="http://schemas.openxmlformats.org/presentationml/2006/main">
+  <p:cSld>
+    <p:spTree>
+      <p:nvGrpSpPr>
+        <p:cNvPr id="1" name=""/>
+        <p:cNvGrpSpPr/>
+        <p:nvPr/>
+      </p:nvGrpSpPr>
+      <p:grpSpPr>
+        <a:xfrm>
+          <a:off x="0" y="0"/>
+          <a:ext cx="0" cy="0"/>
+          <a:chOff x="0" y="0"/>
+          <a:chExt cx="0" cy="0"/>
+        </a:xfrm>
+      </p:grpSpPr>
+      <p:sp>
+        <p:nvSpPr>
+          <p:cNvPr id="2" name="Slide Image Placeholder 1"/>
+          <p:cNvSpPr>
+            <a:spLocks noGrp="1" noRot="1" noChangeAspect="1"/>
+          </p:cNvSpPr>
+          <p:nvPr>
+            <p:ph type="sldImg"/>
+          </p:nvPr>
+        </p:nvSpPr>
+        <p:spPr/>
+      </p:sp>
+      <p:sp>
+        <p:nvSpPr>
+          <p:cNvPr id="3" name="Notes Placeholder 2"/>
+          <p:cNvSpPr>
+            <a:spLocks noGrp="1"/>
+          </p:cNvSpPr>
+          <p:nvPr>
+            <p:ph type="body" idx="1"/>
+          </p:nvPr>
+        </p:nvSpPr>
+        <p:spPr/>
+        <p:txBody>
+          <a:bodyPr/>
+          <a:lstStyle/>
+          <a:p>
+            <a:r>
+              <a:rPr lang="en-US" dirty="0"/>
+              <a:t>Steven</a:t>
+            </a:r>
+          </a:p>
+          <a:p>
+            <a:endParaRPr lang="en-US" dirty="0"/>
+          </a:p>
+          <a:p>
+            <a:r>
+              <a:rPr lang="en-US" dirty="0"/>
+              <a:t>Old schema focused on</a:t>
+            </a:r>
+          </a:p>
+          <a:p>
+            <a:pPr marL="0" indent="0">
+              <a:buFontTx/>
+              <a:buNone/>
+            </a:pPr>
+            <a:r>
+              <a:rPr lang="en-US" dirty="0"/>
+              <a:t>- names, UPCs, stores</a:t>
+            </a:r>
+          </a:p>
+          <a:p>
+            <a:pPr marL="0" indent="0">
+              <a:buFontTx/>
+              <a:buNone/>
+            </a:pPr>
+            <a:endParaRPr lang="en-US" dirty="0"/>
+          </a:p>
+          <a:p>
+            <a:pPr marL="0" indent="0">
+              <a:buFontTx/>
+              <a:buNone/>
+            </a:pPr>
+            <a:r>
+              <a:rPr lang="en-US" dirty="0"/>
+              <a:t>Tables data:</a:t>
+            </a:r>
+          </a:p>
+          <a:p>
+            <a:pPr marL="0" indent="0">
+              <a:buFontTx/>
+              <a:buNone/>
+            </a:pPr>
+            <a:r>
+              <a:rPr lang="en-US" dirty="0"/>
+              <a:t>-  products: Brand, model, specs, category</a:t>
+            </a:r>
+          </a:p>
+          <a:p>
+            <a:pPr marL="0" lvl="0" indent="0">
+              <a:buFontTx/>
+              <a:buNone/>
+            </a:pPr>
+            <a:r>
+              <a:rPr lang="en-US" dirty="0"/>
+              <a:t>- </a:t>
+            </a:r>
+            <a:r>
+              <a:rPr lang="en-US" dirty="0" err="1"/>
+              <a:t>price_data</a:t>
+            </a:r>
+            <a:r>
+              <a:rPr lang="en-US" dirty="0"/>
+              <a:t>: </a:t>
+            </a:r>
+            <a:r>
+              <a:rPr lang="en-US" dirty="0" err="1"/>
+              <a:t>product_id</a:t>
+            </a:r>
+            <a:r>
+              <a:rPr lang="en-US" dirty="0"/>
+              <a:t>, </a:t>
+            </a:r>
+            <a:r>
+              <a:rPr lang="en-US" dirty="0" err="1"/>
+              <a:t>retailer_id</a:t>
+            </a:r>
+            <a:r>
+              <a:rPr lang="en-US" dirty="0"/>
+              <a:t>, price, timestamp</a:t>
+            </a:r>
+          </a:p>
+        </p:txBody>
+      </p:sp>
+      <p:sp>
+        <p:nvSpPr>
+          <p:cNvPr id="4" name="Slide Number Placeholder 3"/>
+          <p:cNvSpPr>
+            <a:spLocks noGrp="1"/>
+          </p:cNvSpPr>
+          <p:nvPr>
+            <p:ph type="sldNum" sz="quarter" idx="5"/>
+          </p:nvPr>
+        </p:nvSpPr>
+        <p:spPr/>
+        <p:txBody>
+          <a:bodyPr/>
+          <a:lstStyle/>
+          <a:p>
+            <a:fld id="{DD0E7A49-501F-48D8-9825-E673D9DE7090}" type="slidenum">
+              <a:rPr lang="en-US" smtClean="0"/>
+              <a:t>5</a:t>
+            </a:fld>
+            <a:endParaRPr lang="en-US"/>
+          </a:p>
+        </p:txBody>
+      </p:sp>
+    </p:spTree>
+    <p:extLst>
+      <p:ext uri="{BB962C8B-B14F-4D97-AF65-F5344CB8AC3E}">
+        <p14:creationId xmlns:p14="http://schemas.microsoft.com/office/powerpoint/2010/main" val="2726671546"/>
+      </p:ext>
+    </p:extLst>
+  </p:cSld>
+  <p:clrMapOvr>
+    <a:masterClrMapping/>
+  </p:clrMapOvr>
+</p:notes>
+</file>
+
+<file path=ppt/notesSlides/notesSlide6.xml><?xml version="1.0" encoding="utf-8"?>
+<p:notes xmlns:a="http://schemas.openxmlformats.org/drawingml/2006/main" xmlns:r="http://schemas.openxmlformats.org/officeDocument/2006/relationships" xmlns:p="http://schemas.openxmlformats.org/presentationml/2006/main">
+  <p:cSld>
+    <p:spTree>
+      <p:nvGrpSpPr>
+        <p:cNvPr id="1" name=""/>
+        <p:cNvGrpSpPr/>
+        <p:nvPr/>
+      </p:nvGrpSpPr>
+      <p:grpSpPr>
+        <a:xfrm>
+          <a:off x="0" y="0"/>
+          <a:ext cx="0" cy="0"/>
+          <a:chOff x="0" y="0"/>
+          <a:chExt cx="0" cy="0"/>
+        </a:xfrm>
+      </p:grpSpPr>
+      <p:sp>
+        <p:nvSpPr>
+          <p:cNvPr id="2" name="Slide Image Placeholder 1"/>
+          <p:cNvSpPr>
+            <a:spLocks noGrp="1" noRot="1" noChangeAspect="1"/>
+          </p:cNvSpPr>
+          <p:nvPr>
+            <p:ph type="sldImg"/>
+          </p:nvPr>
+        </p:nvSpPr>
+        <p:spPr/>
+      </p:sp>
+      <p:sp>
+        <p:nvSpPr>
+          <p:cNvPr id="3" name="Notes Placeholder 2"/>
+          <p:cNvSpPr>
+            <a:spLocks noGrp="1"/>
+          </p:cNvSpPr>
+          <p:nvPr>
+            <p:ph type="body" idx="1"/>
+          </p:nvPr>
+        </p:nvSpPr>
+        <p:spPr/>
+        <p:txBody>
+          <a:bodyPr/>
+          <a:lstStyle/>
+          <a:p>
+            <a:r>
+              <a:rPr lang="en-US" dirty="0"/>
+              <a:t>Steven</a:t>
+            </a:r>
+          </a:p>
+        </p:txBody>
+      </p:sp>
+      <p:sp>
+        <p:nvSpPr>
+          <p:cNvPr id="4" name="Slide Number Placeholder 3"/>
+          <p:cNvSpPr>
+            <a:spLocks noGrp="1"/>
+          </p:cNvSpPr>
+          <p:nvPr>
+            <p:ph type="sldNum" sz="quarter" idx="5"/>
+          </p:nvPr>
+        </p:nvSpPr>
+        <p:spPr/>
+        <p:txBody>
+          <a:bodyPr/>
+          <a:lstStyle/>
+          <a:p>
+            <a:fld id="{DD0E7A49-501F-48D8-9825-E673D9DE7090}" type="slidenum">
+              <a:rPr lang="en-US" smtClean="0"/>
+              <a:t>6</a:t>
+            </a:fld>
+            <a:endParaRPr lang="en-US"/>
+          </a:p>
+        </p:txBody>
+      </p:sp>
+    </p:spTree>
+    <p:extLst>
+      <p:ext uri="{BB962C8B-B14F-4D97-AF65-F5344CB8AC3E}">
+        <p14:creationId xmlns:p14="http://schemas.microsoft.com/office/powerpoint/2010/main" val="2454253643"/>
+      </p:ext>
+    </p:extLst>
+  </p:cSld>
+  <p:clrMapOvr>
+    <a:masterClrMapping/>
+  </p:clrMapOvr>
+</p:notes>
+</file>
+
+<file path=ppt/notesSlides/notesSlide7.xml><?xml version="1.0" encoding="utf-8"?>
+<p:notes xmlns:a="http://schemas.openxmlformats.org/drawingml/2006/main" xmlns:r="http://schemas.openxmlformats.org/officeDocument/2006/relationships" xmlns:p="http://schemas.openxmlformats.org/presentationml/2006/main">
+  <p:cSld>
+    <p:spTree>
+      <p:nvGrpSpPr>
+        <p:cNvPr id="1" name=""/>
+        <p:cNvGrpSpPr/>
+        <p:nvPr/>
+      </p:nvGrpSpPr>
+      <p:grpSpPr>
+        <a:xfrm>
+          <a:off x="0" y="0"/>
+          <a:ext cx="0" cy="0"/>
+          <a:chOff x="0" y="0"/>
+          <a:chExt cx="0" cy="0"/>
+        </a:xfrm>
+      </p:grpSpPr>
+      <p:sp>
+        <p:nvSpPr>
+          <p:cNvPr id="2" name="Slide Image Placeholder 1"/>
+          <p:cNvSpPr>
+            <a:spLocks noGrp="1" noRot="1" noChangeAspect="1"/>
+          </p:cNvSpPr>
+          <p:nvPr>
+            <p:ph type="sldImg"/>
+          </p:nvPr>
+        </p:nvSpPr>
+        <p:spPr/>
+      </p:sp>
+      <p:sp>
+        <p:nvSpPr>
+          <p:cNvPr id="3" name="Notes Placeholder 2"/>
+          <p:cNvSpPr>
+            <a:spLocks noGrp="1"/>
+          </p:cNvSpPr>
+          <p:nvPr>
+            <p:ph type="body" idx="1"/>
+          </p:nvPr>
+        </p:nvSpPr>
+        <p:spPr/>
+        <p:txBody>
+          <a:bodyPr/>
+          <a:lstStyle/>
+          <a:p>
+            <a:r>
+              <a:rPr lang="en-US" dirty="0"/>
+              <a:t>Steven</a:t>
+            </a:r>
+          </a:p>
+        </p:txBody>
+      </p:sp>
+      <p:sp>
+        <p:nvSpPr>
+          <p:cNvPr id="4" name="Slide Number Placeholder 3"/>
+          <p:cNvSpPr>
+            <a:spLocks noGrp="1"/>
+          </p:cNvSpPr>
+          <p:nvPr>
+            <p:ph type="sldNum" sz="quarter" idx="5"/>
+          </p:nvPr>
+        </p:nvSpPr>
+        <p:spPr/>
+        <p:txBody>
+          <a:bodyPr/>
+          <a:lstStyle/>
+          <a:p>
+            <a:fld id="{DD0E7A49-501F-48D8-9825-E673D9DE7090}" type="slidenum">
+              <a:rPr lang="en-US" smtClean="0"/>
+              <a:t>7</a:t>
+            </a:fld>
+            <a:endParaRPr lang="en-US"/>
+          </a:p>
+        </p:txBody>
+      </p:sp>
+    </p:spTree>
+    <p:extLst>
+      <p:ext uri="{BB962C8B-B14F-4D97-AF65-F5344CB8AC3E}">
+        <p14:creationId xmlns:p14="http://schemas.microsoft.com/office/powerpoint/2010/main" val="3234187929"/>
+      </p:ext>
+    </p:extLst>
+  </p:cSld>
+  <p:clrMapOvr>
+    <a:masterClrMapping/>
+  </p:clrMapOvr>
+</p:notes>
+</file>
+
+<file path=ppt/notesSlides/notesSlide8.xml><?xml version="1.0" encoding="utf-8"?>
+<p:notes xmlns:a="http://schemas.openxmlformats.org/drawingml/2006/main" xmlns:r="http://schemas.openxmlformats.org/officeDocument/2006/relationships" xmlns:p="http://schemas.openxmlformats.org/presentationml/2006/main">
+  <p:cSld>
+    <p:spTree>
+      <p:nvGrpSpPr>
+        <p:cNvPr id="1" name=""/>
+        <p:cNvGrpSpPr/>
+        <p:nvPr/>
+      </p:nvGrpSpPr>
+      <p:grpSpPr>
+        <a:xfrm>
+          <a:off x="0" y="0"/>
+          <a:ext cx="0" cy="0"/>
+          <a:chOff x="0" y="0"/>
+          <a:chExt cx="0" cy="0"/>
+        </a:xfrm>
+      </p:grpSpPr>
+      <p:sp>
+        <p:nvSpPr>
+          <p:cNvPr id="2" name="Slide Image Placeholder 1"/>
+          <p:cNvSpPr>
+            <a:spLocks noGrp="1" noRot="1" noChangeAspect="1"/>
+          </p:cNvSpPr>
+          <p:nvPr>
+            <p:ph type="sldImg"/>
+          </p:nvPr>
+        </p:nvSpPr>
+        <p:spPr/>
+      </p:sp>
+      <p:sp>
+        <p:nvSpPr>
+          <p:cNvPr id="3" name="Notes Placeholder 2"/>
+          <p:cNvSpPr>
+            <a:spLocks noGrp="1"/>
+          </p:cNvSpPr>
+          <p:nvPr>
+            <p:ph type="body" idx="1"/>
+          </p:nvPr>
+        </p:nvSpPr>
+        <p:spPr/>
+        <p:txBody>
+          <a:bodyPr/>
+          <a:lstStyle/>
+          <a:p>
+            <a:r>
+              <a:rPr lang="en-US" dirty="0"/>
+              <a:t>Justin</a:t>
+            </a:r>
+          </a:p>
+        </p:txBody>
+      </p:sp>
+      <p:sp>
+        <p:nvSpPr>
+          <p:cNvPr id="4" name="Slide Number Placeholder 3"/>
+          <p:cNvSpPr>
+            <a:spLocks noGrp="1"/>
+          </p:cNvSpPr>
+          <p:nvPr>
+            <p:ph type="sldNum" sz="quarter" idx="5"/>
+          </p:nvPr>
+        </p:nvSpPr>
+        <p:spPr/>
+        <p:txBody>
+          <a:bodyPr/>
+          <a:lstStyle/>
+          <a:p>
+            <a:fld id="{DD0E7A49-501F-48D8-9825-E673D9DE7090}" type="slidenum">
+              <a:rPr lang="en-US" smtClean="0"/>
+              <a:t>8</a:t>
+            </a:fld>
+            <a:endParaRPr lang="en-US"/>
+          </a:p>
+        </p:txBody>
+      </p:sp>
+    </p:spTree>
+    <p:extLst>
+      <p:ext uri="{BB962C8B-B14F-4D97-AF65-F5344CB8AC3E}">
+        <p14:creationId xmlns:p14="http://schemas.microsoft.com/office/powerpoint/2010/main" val="1455183455"/>
+      </p:ext>
+    </p:extLst>
+  </p:cSld>
+  <p:clrMapOvr>
+    <a:masterClrMapping/>
+  </p:clrMapOvr>
+</p:notes>
+</file>
+
+<file path=ppt/notesSlides/notesSlide9.xml><?xml version="1.0" encoding="utf-8"?>
+<p:notes xmlns:a="http://schemas.openxmlformats.org/drawingml/2006/main" xmlns:r="http://schemas.openxmlformats.org/officeDocument/2006/relationships" xmlns:p="http://schemas.openxmlformats.org/presentationml/2006/main">
+  <p:cSld>
+    <p:spTree>
+      <p:nvGrpSpPr>
+        <p:cNvPr id="1" name=""/>
+        <p:cNvGrpSpPr/>
+        <p:nvPr/>
+      </p:nvGrpSpPr>
+      <p:grpSpPr>
+        <a:xfrm>
+          <a:off x="0" y="0"/>
+          <a:ext cx="0" cy="0"/>
+          <a:chOff x="0" y="0"/>
+          <a:chExt cx="0" cy="0"/>
+        </a:xfrm>
+      </p:grpSpPr>
+      <p:sp>
+        <p:nvSpPr>
+          <p:cNvPr id="2" name="Slide Image Placeholder 1"/>
+          <p:cNvSpPr>
+            <a:spLocks noGrp="1" noRot="1" noChangeAspect="1"/>
+          </p:cNvSpPr>
+          <p:nvPr>
+            <p:ph type="sldImg"/>
+          </p:nvPr>
+        </p:nvSpPr>
+        <p:spPr/>
+      </p:sp>
+      <p:sp>
+        <p:nvSpPr>
+          <p:cNvPr id="3" name="Notes Placeholder 2"/>
+          <p:cNvSpPr>
+            <a:spLocks noGrp="1"/>
+          </p:cNvSpPr>
+          <p:nvPr>
+            <p:ph type="body" idx="1"/>
+          </p:nvPr>
+        </p:nvSpPr>
+        <p:spPr/>
+        <p:txBody>
+          <a:bodyPr/>
+          <a:lstStyle/>
+          <a:p>
+            <a:r>
+              <a:rPr lang="en-US" dirty="0"/>
+              <a:t>Steven</a:t>
+            </a:r>
+          </a:p>
+        </p:txBody>
+      </p:sp>
+      <p:sp>
+        <p:nvSpPr>
+          <p:cNvPr id="4" name="Slide Number Placeholder 3"/>
+          <p:cNvSpPr>
+            <a:spLocks noGrp="1"/>
+          </p:cNvSpPr>
+          <p:nvPr>
+            <p:ph type="sldNum" sz="quarter" idx="5"/>
+          </p:nvPr>
+        </p:nvSpPr>
+        <p:spPr/>
+        <p:txBody>
+          <a:bodyPr/>
+          <a:lstStyle/>
+          <a:p>
+            <a:fld id="{DD0E7A49-501F-48D8-9825-E673D9DE7090}" type="slidenum">
+              <a:rPr lang="en-US" smtClean="0"/>
+              <a:t>9</a:t>
+            </a:fld>
+            <a:endParaRPr lang="en-US"/>
+          </a:p>
+        </p:txBody>
+      </p:sp>
+    </p:spTree>
+    <p:extLst>
+      <p:ext uri="{BB962C8B-B14F-4D97-AF65-F5344CB8AC3E}">
+        <p14:creationId xmlns:p14="http://schemas.microsoft.com/office/powerpoint/2010/main" val="3259640192"/>
+      </p:ext>
+    </p:extLst>
+  </p:cSld>
+  <p:clrMapOvr>
+    <a:masterClrMapping/>
+  </p:clrMapOvr>
+</p:notes>
+</file>
+
 <file path=ppt/slideLayouts/slideLayout1.xml><?xml version="1.0" encoding="utf-8"?>
 <p:sldLayout xmlns:a="http://schemas.openxmlformats.org/drawingml/2006/main" xmlns:r="http://schemas.openxmlformats.org/officeDocument/2006/relationships" xmlns:p="http://schemas.openxmlformats.org/presentationml/2006/main" type="title" preserve="1">
   <p:cSld name="Title Slide">
@@ -5857,7 +7333,7 @@
           <a:p>
             <a:fld id="{6030266D-0AF5-470D-AE20-1C8C917C7388}" type="datetimeFigureOut">
               <a:rPr lang="en-US" smtClean="0"/>
-              <a:t>4/12/2025</a:t>
+              <a:t>4/13/2025</a:t>
             </a:fld>
             <a:endParaRPr lang="en-US"/>
           </a:p>
@@ -6055,7 +7531,7 @@
           <a:p>
             <a:fld id="{6030266D-0AF5-470D-AE20-1C8C917C7388}" type="datetimeFigureOut">
               <a:rPr lang="en-US" smtClean="0"/>
-              <a:t>4/12/2025</a:t>
+              <a:t>4/13/2025</a:t>
             </a:fld>
             <a:endParaRPr lang="en-US"/>
           </a:p>
@@ -6263,7 +7739,7 @@
           <a:p>
             <a:fld id="{6030266D-0AF5-470D-AE20-1C8C917C7388}" type="datetimeFigureOut">
               <a:rPr lang="en-US" smtClean="0"/>
-              <a:t>4/12/2025</a:t>
+              <a:t>4/13/2025</a:t>
             </a:fld>
             <a:endParaRPr lang="en-US"/>
           </a:p>
@@ -6461,7 +7937,7 @@
           <a:p>
             <a:fld id="{6030266D-0AF5-470D-AE20-1C8C917C7388}" type="datetimeFigureOut">
               <a:rPr lang="en-US" smtClean="0"/>
-              <a:t>4/12/2025</a:t>
+              <a:t>4/13/2025</a:t>
             </a:fld>
             <a:endParaRPr lang="en-US"/>
           </a:p>
@@ -6736,7 +8212,7 @@
           <a:p>
             <a:fld id="{6030266D-0AF5-470D-AE20-1C8C917C7388}" type="datetimeFigureOut">
               <a:rPr lang="en-US" smtClean="0"/>
-              <a:t>4/12/2025</a:t>
+              <a:t>4/13/2025</a:t>
             </a:fld>
             <a:endParaRPr lang="en-US"/>
           </a:p>
@@ -7001,7 +8477,7 @@
           <a:p>
             <a:fld id="{6030266D-0AF5-470D-AE20-1C8C917C7388}" type="datetimeFigureOut">
               <a:rPr lang="en-US" smtClean="0"/>
-              <a:t>4/12/2025</a:t>
+              <a:t>4/13/2025</a:t>
             </a:fld>
             <a:endParaRPr lang="en-US"/>
           </a:p>
@@ -7413,7 +8889,7 @@
           <a:p>
             <a:fld id="{6030266D-0AF5-470D-AE20-1C8C917C7388}" type="datetimeFigureOut">
               <a:rPr lang="en-US" smtClean="0"/>
-              <a:t>4/12/2025</a:t>
+              <a:t>4/13/2025</a:t>
             </a:fld>
             <a:endParaRPr lang="en-US"/>
           </a:p>
@@ -7554,7 +9030,7 @@
           <a:p>
             <a:fld id="{6030266D-0AF5-470D-AE20-1C8C917C7388}" type="datetimeFigureOut">
               <a:rPr lang="en-US" smtClean="0"/>
-              <a:t>4/12/2025</a:t>
+              <a:t>4/13/2025</a:t>
             </a:fld>
             <a:endParaRPr lang="en-US"/>
           </a:p>
@@ -7667,7 +9143,7 @@
           <a:p>
             <a:fld id="{6030266D-0AF5-470D-AE20-1C8C917C7388}" type="datetimeFigureOut">
               <a:rPr lang="en-US" smtClean="0"/>
-              <a:t>4/12/2025</a:t>
+              <a:t>4/13/2025</a:t>
             </a:fld>
             <a:endParaRPr lang="en-US"/>
           </a:p>
@@ -7978,7 +9454,7 @@
           <a:p>
             <a:fld id="{6030266D-0AF5-470D-AE20-1C8C917C7388}" type="datetimeFigureOut">
               <a:rPr lang="en-US" smtClean="0"/>
-              <a:t>4/12/2025</a:t>
+              <a:t>4/13/2025</a:t>
             </a:fld>
             <a:endParaRPr lang="en-US"/>
           </a:p>
@@ -8266,7 +9742,7 @@
           <a:p>
             <a:fld id="{6030266D-0AF5-470D-AE20-1C8C917C7388}" type="datetimeFigureOut">
               <a:rPr lang="en-US" smtClean="0"/>
-              <a:t>4/12/2025</a:t>
+              <a:t>4/13/2025</a:t>
             </a:fld>
             <a:endParaRPr lang="en-US"/>
           </a:p>
@@ -8507,7 +9983,7 @@
           <a:p>
             <a:fld id="{6030266D-0AF5-470D-AE20-1C8C917C7388}" type="datetimeFigureOut">
               <a:rPr lang="en-US" smtClean="0"/>
-              <a:t>4/12/2025</a:t>
+              <a:t>4/13/2025</a:t>
             </a:fld>
             <a:endParaRPr lang="en-US"/>
           </a:p>
@@ -8939,10 +10415,10 @@
           <p:nvPr/>
         </p:nvPicPr>
         <p:blipFill>
-          <a:blip r:embed="rId2">
+          <a:blip r:embed="rId3">
             <a:extLst>
               <a:ext uri="{96DAC541-7B7A-43D3-8B79-37D633B846F1}">
-                <asvg:svgBlip xmlns:asvg="http://schemas.microsoft.com/office/drawing/2016/SVG/main" r:embed="rId3"/>
+                <asvg:svgBlip xmlns:asvg="http://schemas.microsoft.com/office/drawing/2016/SVG/main" r:embed="rId4"/>
               </a:ext>
             </a:extLst>
           </a:blip>
@@ -8975,10 +10451,10 @@
           <p:nvPr/>
         </p:nvPicPr>
         <p:blipFill>
-          <a:blip r:embed="rId4">
+          <a:blip r:embed="rId5">
             <a:extLst>
               <a:ext uri="{96DAC541-7B7A-43D3-8B79-37D633B846F1}">
-                <asvg:svgBlip xmlns:asvg="http://schemas.microsoft.com/office/drawing/2016/SVG/main" r:embed="rId5"/>
+                <asvg:svgBlip xmlns:asvg="http://schemas.microsoft.com/office/drawing/2016/SVG/main" r:embed="rId6"/>
               </a:ext>
             </a:extLst>
           </a:blip>
@@ -9011,10 +10487,10 @@
           <p:nvPr/>
         </p:nvPicPr>
         <p:blipFill>
-          <a:blip r:embed="rId6">
+          <a:blip r:embed="rId7">
             <a:extLst>
               <a:ext uri="{96DAC541-7B7A-43D3-8B79-37D633B846F1}">
-                <asvg:svgBlip xmlns:asvg="http://schemas.microsoft.com/office/drawing/2016/SVG/main" r:embed="rId7"/>
+                <asvg:svgBlip xmlns:asvg="http://schemas.microsoft.com/office/drawing/2016/SVG/main" r:embed="rId8"/>
               </a:ext>
             </a:extLst>
           </a:blip>
@@ -9047,10 +10523,10 @@
           <p:nvPr/>
         </p:nvPicPr>
         <p:blipFill>
-          <a:blip r:embed="rId8">
+          <a:blip r:embed="rId9">
             <a:extLst>
               <a:ext uri="{96DAC541-7B7A-43D3-8B79-37D633B846F1}">
-                <asvg:svgBlip xmlns:asvg="http://schemas.microsoft.com/office/drawing/2016/SVG/main" r:embed="rId9"/>
+                <asvg:svgBlip xmlns:asvg="http://schemas.microsoft.com/office/drawing/2016/SVG/main" r:embed="rId10"/>
               </a:ext>
             </a:extLst>
           </a:blip>
@@ -9083,10 +10559,10 @@
           <p:nvPr/>
         </p:nvPicPr>
         <p:blipFill>
-          <a:blip r:embed="rId10">
+          <a:blip r:embed="rId11">
             <a:extLst>
               <a:ext uri="{96DAC541-7B7A-43D3-8B79-37D633B846F1}">
-                <asvg:svgBlip xmlns:asvg="http://schemas.microsoft.com/office/drawing/2016/SVG/main" r:embed="rId11"/>
+                <asvg:svgBlip xmlns:asvg="http://schemas.microsoft.com/office/drawing/2016/SVG/main" r:embed="rId12"/>
               </a:ext>
             </a:extLst>
           </a:blip>
@@ -9119,10 +10595,10 @@
           <p:nvPr/>
         </p:nvPicPr>
         <p:blipFill>
-          <a:blip r:embed="rId12">
+          <a:blip r:embed="rId13">
             <a:extLst>
               <a:ext uri="{96DAC541-7B7A-43D3-8B79-37D633B846F1}">
-                <asvg:svgBlip xmlns:asvg="http://schemas.microsoft.com/office/drawing/2016/SVG/main" r:embed="rId13"/>
+                <asvg:svgBlip xmlns:asvg="http://schemas.microsoft.com/office/drawing/2016/SVG/main" r:embed="rId14"/>
               </a:ext>
             </a:extLst>
           </a:blip>
@@ -9155,10 +10631,10 @@
           <p:nvPr/>
         </p:nvPicPr>
         <p:blipFill>
-          <a:blip r:embed="rId14">
+          <a:blip r:embed="rId15">
             <a:extLst>
               <a:ext uri="{96DAC541-7B7A-43D3-8B79-37D633B846F1}">
-                <asvg:svgBlip xmlns:asvg="http://schemas.microsoft.com/office/drawing/2016/SVG/main" r:embed="rId15"/>
+                <asvg:svgBlip xmlns:asvg="http://schemas.microsoft.com/office/drawing/2016/SVG/main" r:embed="rId16"/>
               </a:ext>
             </a:extLst>
           </a:blip>
@@ -9191,10 +10667,10 @@
           <p:nvPr/>
         </p:nvPicPr>
         <p:blipFill>
-          <a:blip r:embed="rId16">
+          <a:blip r:embed="rId17">
             <a:extLst>
               <a:ext uri="{96DAC541-7B7A-43D3-8B79-37D633B846F1}">
-                <asvg:svgBlip xmlns:asvg="http://schemas.microsoft.com/office/drawing/2016/SVG/main" r:embed="rId17"/>
+                <asvg:svgBlip xmlns:asvg="http://schemas.microsoft.com/office/drawing/2016/SVG/main" r:embed="rId18"/>
               </a:ext>
             </a:extLst>
           </a:blip>
@@ -9227,10 +10703,10 @@
           <p:nvPr/>
         </p:nvPicPr>
         <p:blipFill>
-          <a:blip r:embed="rId18">
+          <a:blip r:embed="rId19">
             <a:extLst>
               <a:ext uri="{96DAC541-7B7A-43D3-8B79-37D633B846F1}">
-                <asvg:svgBlip xmlns:asvg="http://schemas.microsoft.com/office/drawing/2016/SVG/main" r:embed="rId19"/>
+                <asvg:svgBlip xmlns:asvg="http://schemas.microsoft.com/office/drawing/2016/SVG/main" r:embed="rId20"/>
               </a:ext>
             </a:extLst>
           </a:blip>
@@ -9263,10 +10739,10 @@
           <p:nvPr/>
         </p:nvPicPr>
         <p:blipFill>
-          <a:blip r:embed="rId20">
+          <a:blip r:embed="rId21">
             <a:extLst>
               <a:ext uri="{96DAC541-7B7A-43D3-8B79-37D633B846F1}">
-                <asvg:svgBlip xmlns:asvg="http://schemas.microsoft.com/office/drawing/2016/SVG/main" r:embed="rId21"/>
+                <asvg:svgBlip xmlns:asvg="http://schemas.microsoft.com/office/drawing/2016/SVG/main" r:embed="rId22"/>
               </a:ext>
             </a:extLst>
           </a:blip>
@@ -9294,6 +10770,14 @@
   <p:clrMapOvr>
     <a:masterClrMapping/>
   </p:clrMapOvr>
+  <mc:AlternateContent xmlns:mc="http://schemas.openxmlformats.org/markup-compatibility/2006">
+    <mc:Choice xmlns:p14="http://schemas.microsoft.com/office/powerpoint/2010/main" Requires="p14">
+      <p:transition spd="slow" p14:dur="2000" advClick="0" advTm="1500"/>
+    </mc:Choice>
+    <mc:Fallback>
+      <p:transition spd="slow" advClick="0" advTm="1500"/>
+    </mc:Fallback>
+  </mc:AlternateContent>
 </p:sld>
 </file>
 
@@ -9337,7 +10821,7 @@
           <p:nvPr/>
         </p:nvPicPr>
         <p:blipFill>
-          <a:blip r:embed="rId2">
+          <a:blip r:embed="rId3">
             <a:alphaModFix amt="40000"/>
           </a:blip>
           <a:srcRect t="15730"/>
@@ -9371,18 +10855,18 @@
         </p:nvSpPr>
         <p:spPr>
           <a:xfrm>
-            <a:off x="965200" y="965200"/>
-            <a:ext cx="10261600" cy="3564869"/>
+            <a:off x="3953475" y="2526957"/>
+            <a:ext cx="4285049" cy="1804086"/>
           </a:xfrm>
         </p:spPr>
         <p:txBody>
           <a:bodyPr vert="horz" lIns="91440" tIns="45720" rIns="91440" bIns="45720" rtlCol="0" anchor="b">
-            <a:normAutofit/>
+            <a:normAutofit fontScale="90000"/>
           </a:bodyPr>
           <a:lstStyle/>
           <a:p>
             <a:r>
-              <a:rPr lang="en-US" sz="11500">
+              <a:rPr lang="en-US" sz="13000" dirty="0">
                 <a:ln w="22225">
                   <a:solidFill>
                     <a:schemeClr val="tx1"/>
@@ -9611,13 +11095,13 @@
           <p:nvPr/>
         </p:nvPicPr>
         <p:blipFill>
-          <a:blip r:embed="rId2">
+          <a:blip r:embed="rId3">
             <a:extLst>
               <a:ext uri="{28A0092B-C50C-407E-A947-70E740481C1C}">
                 <a14:useLocalDpi xmlns:a14="http://schemas.microsoft.com/office/drawing/2010/main" val="0"/>
               </a:ext>
               <a:ext uri="{96DAC541-7B7A-43D3-8B79-37D633B846F1}">
-                <asvg:svgBlip xmlns:asvg="http://schemas.microsoft.com/office/drawing/2016/SVG/main" r:embed="rId3"/>
+                <asvg:svgBlip xmlns:asvg="http://schemas.microsoft.com/office/drawing/2016/SVG/main" r:embed="rId4"/>
               </a:ext>
             </a:extLst>
           </a:blip>
@@ -9705,13 +11189,13 @@
         </p:nvSpPr>
         <p:spPr>
           <a:xfrm>
-            <a:off x="6527800" y="1909192"/>
-            <a:ext cx="4713997" cy="3647710"/>
+            <a:off x="6947931" y="3429000"/>
+            <a:ext cx="4012514" cy="834007"/>
           </a:xfrm>
         </p:spPr>
         <p:txBody>
           <a:bodyPr>
-            <a:normAutofit/>
+            <a:normAutofit fontScale="92500" lnSpcReduction="20000"/>
           </a:bodyPr>
           <a:lstStyle/>
           <a:p>
@@ -9719,7 +11203,7 @@
               <a:buNone/>
             </a:pPr>
             <a:r>
-              <a:rPr lang="en-US" sz="2000">
+              <a:rPr lang="en-US" sz="6400" dirty="0">
                 <a:solidFill>
                   <a:schemeClr val="bg1"/>
                 </a:solidFill>
@@ -9904,10 +11388,10 @@
           <p:nvPr/>
         </p:nvPicPr>
         <p:blipFill>
-          <a:blip r:embed="rId2">
+          <a:blip r:embed="rId3">
             <a:extLst>
               <a:ext uri="{96DAC541-7B7A-43D3-8B79-37D633B846F1}">
-                <asvg:svgBlip xmlns:asvg="http://schemas.microsoft.com/office/drawing/2016/SVG/main" r:embed="rId3"/>
+                <asvg:svgBlip xmlns:asvg="http://schemas.microsoft.com/office/drawing/2016/SVG/main" r:embed="rId4"/>
               </a:ext>
             </a:extLst>
           </a:blip>
@@ -9940,10 +11424,10 @@
           <p:nvPr/>
         </p:nvPicPr>
         <p:blipFill>
-          <a:blip r:embed="rId4">
+          <a:blip r:embed="rId5">
             <a:extLst>
               <a:ext uri="{96DAC541-7B7A-43D3-8B79-37D633B846F1}">
-                <asvg:svgBlip xmlns:asvg="http://schemas.microsoft.com/office/drawing/2016/SVG/main" r:embed="rId5"/>
+                <asvg:svgBlip xmlns:asvg="http://schemas.microsoft.com/office/drawing/2016/SVG/main" r:embed="rId6"/>
               </a:ext>
             </a:extLst>
           </a:blip>
@@ -9976,10 +11460,10 @@
           <p:nvPr/>
         </p:nvPicPr>
         <p:blipFill>
-          <a:blip r:embed="rId6">
+          <a:blip r:embed="rId7">
             <a:extLst>
               <a:ext uri="{96DAC541-7B7A-43D3-8B79-37D633B846F1}">
-                <asvg:svgBlip xmlns:asvg="http://schemas.microsoft.com/office/drawing/2016/SVG/main" r:embed="rId7"/>
+                <asvg:svgBlip xmlns:asvg="http://schemas.microsoft.com/office/drawing/2016/SVG/main" r:embed="rId8"/>
               </a:ext>
             </a:extLst>
           </a:blip>
@@ -10182,13 +11666,13 @@
   <p:clrMapOvr>
     <a:masterClrMapping/>
   </p:clrMapOvr>
-  <mc:AlternateContent xmlns:mc="http://schemas.openxmlformats.org/markup-compatibility/2006">
-    <mc:Choice xmlns:p159="http://schemas.microsoft.com/office/powerpoint/2015/09/main" Requires="p159">
+  <mc:AlternateContent xmlns:mc="http://schemas.openxmlformats.org/markup-compatibility/2006" xmlns:p159="http://schemas.microsoft.com/office/powerpoint/2015/09/main">
+    <mc:Choice Requires="p159">
       <p:transition xmlns:p14="http://schemas.microsoft.com/office/powerpoint/2010/main" spd="slow" p14:dur="2000">
         <p159:morph option="byObject"/>
       </p:transition>
     </mc:Choice>
-    <mc:Fallback>
+    <mc:Fallback xmlns="">
       <p:transition spd="slow">
         <p:fade/>
       </p:transition>
@@ -10580,7 +12064,7 @@
             <p:ph idx="1"/>
             <p:extLst>
               <p:ext uri="{D42A27DB-BD31-4B8C-83A1-F6EECF244321}">
-                <p14:modId xmlns:p14="http://schemas.microsoft.com/office/powerpoint/2010/main" val="2185377817"/>
+                <p14:modId xmlns:p14="http://schemas.microsoft.com/office/powerpoint/2010/main" val="2546792880"/>
               </p:ext>
             </p:extLst>
           </p:nvPr>
@@ -10591,7 +12075,7 @@
         </p:xfrm>
         <a:graphic>
           <a:graphicData uri="http://schemas.openxmlformats.org/drawingml/2006/diagram">
-            <dgm:relIds xmlns:dgm="http://schemas.openxmlformats.org/drawingml/2006/diagram" xmlns:r="http://schemas.openxmlformats.org/officeDocument/2006/relationships" r:dm="rId2" r:lo="rId3" r:qs="rId4" r:cs="rId5"/>
+            <dgm:relIds xmlns:dgm="http://schemas.openxmlformats.org/drawingml/2006/diagram" xmlns:r="http://schemas.openxmlformats.org/officeDocument/2006/relationships" r:dm="rId3" r:lo="rId4" r:qs="rId5" r:cs="rId6"/>
           </a:graphicData>
         </a:graphic>
       </p:graphicFrame>
@@ -10605,13 +12089,13 @@
   <p:clrMapOvr>
     <a:masterClrMapping/>
   </p:clrMapOvr>
-  <mc:AlternateContent xmlns:mc="http://schemas.openxmlformats.org/markup-compatibility/2006">
-    <mc:Choice xmlns:p15="http://schemas.microsoft.com/office/powerpoint/2012/main" Requires="p15">
+  <mc:AlternateContent xmlns:mc="http://schemas.openxmlformats.org/markup-compatibility/2006" xmlns:p15="http://schemas.microsoft.com/office/powerpoint/2012/main">
+    <mc:Choice Requires="p15">
       <p:transition xmlns:p14="http://schemas.microsoft.com/office/powerpoint/2010/main" spd="slow" p14:dur="2000">
         <p15:prstTrans prst="crush"/>
       </p:transition>
     </mc:Choice>
-    <mc:Fallback>
+    <mc:Fallback xmlns="">
       <p:transition spd="slow">
         <p:fade/>
       </p:transition>
@@ -10733,9 +12217,10 @@
           </a:bodyPr>
           <a:lstStyle/>
           <a:p>
-            <a:r>
-              <a:rPr lang="en-US"/>
-              <a:t>Changes to API endpoint(Justin)</a:t>
+            <a:pPr algn="ctr"/>
+            <a:r>
+              <a:rPr lang="en-US" dirty="0"/>
+              <a:t>Changes to API endpoint</a:t>
             </a:r>
           </a:p>
         </p:txBody>
@@ -10983,71 +12468,70 @@
           </a:bodyPr>
           <a:lstStyle/>
           <a:p>
-            <a:r>
-              <a:rPr lang="en-US" sz="1500"/>
+            <a:pPr>
+              <a:lnSpc>
+                <a:spcPct val="150000"/>
+              </a:lnSpc>
+            </a:pPr>
+            <a:r>
+              <a:rPr lang="en-US" sz="1500" dirty="0"/>
               <a:t>New RPC based endpoints</a:t>
             </a:r>
           </a:p>
           <a:p>
-            <a:pPr lvl="1"/>
-            <a:r>
-              <a:rPr lang="en-US" sz="1500"/>
+            <a:pPr lvl="1">
+              <a:lnSpc>
+                <a:spcPct val="150000"/>
+              </a:lnSpc>
+            </a:pPr>
+            <a:r>
+              <a:rPr lang="en-US" sz="1500" dirty="0" err="1"/>
               <a:t>get_stores</a:t>
             </a:r>
-          </a:p>
-          <a:p>
-            <a:pPr lvl="2"/>
-            <a:r>
-              <a:rPr lang="en-US" sz="1500"/>
-              <a:t>Fetches all available stores from the database (used in frontend dropdown)</a:t>
-            </a:r>
-          </a:p>
-          <a:p>
-            <a:pPr lvl="2"/>
-            <a:r>
-              <a:rPr lang="en-US" sz="1500"/>
-              <a:t>Includes error handling for db connection failures, timeouts and empty result sets</a:t>
-            </a:r>
-          </a:p>
-          <a:p>
-            <a:pPr lvl="1"/>
-            <a:r>
-              <a:rPr lang="en-US" sz="1500"/>
+            <a:r>
+              <a:rPr lang="en-US" sz="1500" dirty="0"/>
+              <a:t>()</a:t>
+            </a:r>
+          </a:p>
+          <a:p>
+            <a:pPr lvl="1">
+              <a:lnSpc>
+                <a:spcPct val="150000"/>
+              </a:lnSpc>
+            </a:pPr>
+            <a:r>
+              <a:rPr lang="en-US" sz="1500" dirty="0" err="1"/>
               <a:t>get_products</a:t>
             </a:r>
-          </a:p>
-          <a:p>
-            <a:pPr lvl="2"/>
-            <a:r>
-              <a:rPr lang="en-US" sz="1500"/>
-              <a:t>Returns a list of products associated with a specific store</a:t>
-            </a:r>
-          </a:p>
-          <a:p>
-            <a:pPr lvl="2"/>
-            <a:r>
-              <a:rPr lang="en-US" sz="1500"/>
-              <a:t>Validates store_id input to make sure it isn’t empty or incorrectly formatted</a:t>
-            </a:r>
-          </a:p>
-          <a:p>
-            <a:pPr lvl="2"/>
-            <a:r>
-              <a:rPr lang="en-US" sz="1500"/>
-              <a:t>Includes the same error handling as get_stores</a:t>
-            </a:r>
-          </a:p>
-          <a:p>
-            <a:pPr lvl="1"/>
-            <a:r>
-              <a:rPr lang="en-US" sz="1500"/>
-              <a:t>All endpoints return Response objects containing standardized json</a:t>
-            </a:r>
-          </a:p>
-          <a:p>
-            <a:pPr lvl="1"/>
-            <a:r>
-              <a:rPr lang="en-US" sz="1500"/>
+            <a:r>
+              <a:rPr lang="en-US" sz="1500" dirty="0"/>
+              <a:t>()</a:t>
+            </a:r>
+          </a:p>
+          <a:p>
+            <a:pPr lvl="1">
+              <a:lnSpc>
+                <a:spcPct val="150000"/>
+              </a:lnSpc>
+            </a:pPr>
+            <a:r>
+              <a:rPr lang="en-US" sz="1500" dirty="0"/>
+              <a:t>All endpoints return Response objects containing standardized </a:t>
+            </a:r>
+            <a:r>
+              <a:rPr lang="en-US" sz="1500" dirty="0" err="1"/>
+              <a:t>json</a:t>
+            </a:r>
+            <a:endParaRPr lang="en-US" sz="1500" dirty="0"/>
+          </a:p>
+          <a:p>
+            <a:pPr lvl="1">
+              <a:lnSpc>
+                <a:spcPct val="150000"/>
+              </a:lnSpc>
+            </a:pPr>
+            <a:r>
+              <a:rPr lang="en-US" sz="1500" dirty="0"/>
               <a:t>Status codes are provided with the responses to more accurately reflect errors</a:t>
             </a:r>
           </a:p>
@@ -11063,13 +12547,13 @@
   <p:clrMapOvr>
     <a:masterClrMapping/>
   </p:clrMapOvr>
-  <mc:AlternateContent xmlns:mc="http://schemas.openxmlformats.org/markup-compatibility/2006">
-    <mc:Choice xmlns:p15="http://schemas.microsoft.com/office/powerpoint/2012/main" Requires="p15">
+  <mc:AlternateContent xmlns:mc="http://schemas.openxmlformats.org/markup-compatibility/2006" xmlns:p15="http://schemas.microsoft.com/office/powerpoint/2012/main">
+    <mc:Choice Requires="p15">
       <p:transition xmlns:p14="http://schemas.microsoft.com/office/powerpoint/2010/main" spd="slow" p14:dur="1250">
         <p15:prstTrans prst="pageCurlDouble"/>
       </p:transition>
     </mc:Choice>
-    <mc:Fallback>
+    <mc:Fallback xmlns="">
       <p:transition spd="slow">
         <p:fade/>
       </p:transition>
@@ -11353,8 +12837,8 @@
           <a:lstStyle/>
           <a:p>
             <a:r>
-              <a:rPr lang="en-US" sz="4000"/>
-              <a:t>Database Script Changes(Steven)</a:t>
+              <a:rPr lang="en-US" sz="4000" dirty="0"/>
+              <a:t>Database Script Changes</a:t>
             </a:r>
           </a:p>
         </p:txBody>
@@ -11377,8 +12861,8 @@
         </p:nvSpPr>
         <p:spPr bwMode="auto">
           <a:xfrm>
-            <a:off x="761802" y="2743200"/>
-            <a:ext cx="4646905" cy="3613149"/>
+            <a:off x="0" y="2765427"/>
+            <a:ext cx="6096000" cy="3613149"/>
           </a:xfrm>
           <a:prstGeom prst="rect">
             <a:avLst/>
@@ -11435,13 +12919,13 @@
               <a:tabLst/>
             </a:pPr>
             <a:r>
-              <a:rPr kumimoji="0" lang="en-US" altLang="en-US" sz="1900" i="0" u="none" strike="noStrike" cap="none" normalizeH="0" baseline="0">
+              <a:rPr kumimoji="0" lang="en-US" altLang="en-US" sz="1900" i="0" u="none" strike="noStrike" cap="none" normalizeH="0" baseline="0" dirty="0">
                 <a:ln>
                   <a:noFill/>
                 </a:ln>
                 <a:effectLst/>
               </a:rPr>
-              <a:t>Old schema focused on grocery items (names, UPCs, stores)</a:t>
+              <a:t>Old schema focused on grocery items</a:t>
             </a:r>
           </a:p>
           <a:p>
@@ -11459,7 +12943,7 @@
               <a:tabLst/>
             </a:pPr>
             <a:r>
-              <a:rPr kumimoji="0" lang="en-US" altLang="en-US" sz="1900" i="0" u="none" strike="noStrike" cap="none" normalizeH="0" baseline="0">
+              <a:rPr kumimoji="0" lang="en-US" altLang="en-US" sz="1900" i="0" u="none" strike="noStrike" cap="none" normalizeH="0" baseline="0" dirty="0">
                 <a:ln>
                   <a:noFill/>
                 </a:ln>
@@ -11480,13 +12964,13 @@
               <a:buChar char="•"/>
             </a:pPr>
             <a:r>
-              <a:rPr kumimoji="0" lang="en-US" altLang="en-US" sz="1900" i="0" u="none" strike="noStrike" cap="none" normalizeH="0" baseline="0">
+              <a:rPr kumimoji="0" lang="en-US" altLang="en-US" sz="1900" i="0" u="none" strike="noStrike" cap="none" normalizeH="0" baseline="0" dirty="0">
                 <a:ln>
                   <a:noFill/>
                 </a:ln>
                 <a:effectLst/>
               </a:rPr>
-              <a:t>products table: brand, model, specs, category</a:t>
+              <a:t>products table changed to reflect computer parts </a:t>
             </a:r>
           </a:p>
           <a:p>
@@ -11501,7 +12985,7 @@
               <a:buChar char="•"/>
             </a:pPr>
             <a:r>
-              <a:rPr kumimoji="0" lang="en-US" altLang="en-US" sz="1900" i="0" u="none" strike="noStrike" cap="none" normalizeH="0" baseline="0">
+              <a:rPr kumimoji="0" lang="en-US" altLang="en-US" sz="1900" i="0" u="none" strike="noStrike" cap="none" normalizeH="0" baseline="0" dirty="0">
                 <a:ln>
                   <a:noFill/>
                 </a:ln>
@@ -11522,31 +13006,38 @@
               <a:buChar char="•"/>
             </a:pPr>
             <a:r>
-              <a:rPr kumimoji="0" lang="en-US" altLang="en-US" sz="1900" i="0" u="none" strike="noStrike" cap="none" normalizeH="0" baseline="0">
+              <a:rPr kumimoji="0" lang="en-US" altLang="en-US" sz="1900" i="0" u="none" strike="noStrike" cap="none" normalizeH="0" baseline="0" dirty="0" err="1">
                 <a:ln>
                   <a:noFill/>
                 </a:ln>
                 <a:effectLst/>
               </a:rPr>
-              <a:t>price_data table: product_id, retailer_id, price, timestamp</a:t>
-            </a:r>
-          </a:p>
-          <a:p>
-            <a:pPr marL="0" marR="0" lvl="0" indent="0" defTabSz="914400" rtl="0" eaLnBrk="0" fontAlgn="base" latinLnBrk="0" hangingPunct="0">
+              <a:t>price_data</a:t>
+            </a:r>
+            <a:r>
+              <a:rPr kumimoji="0" lang="en-US" altLang="en-US" sz="1900" i="0" u="none" strike="noStrike" cap="none" normalizeH="0" baseline="0" dirty="0">
+                <a:ln>
+                  <a:noFill/>
+                </a:ln>
+                <a:effectLst/>
+              </a:rPr>
+              <a:t> table to </a:t>
+            </a:r>
+            <a:endParaRPr lang="en-US" altLang="en-US" sz="1900" dirty="0"/>
+          </a:p>
+          <a:p>
+            <a:pPr marL="0" indent="0" eaLnBrk="0" fontAlgn="base" hangingPunct="0">
               <a:spcBef>
                 <a:spcPct val="0"/>
               </a:spcBef>
               <a:spcAft>
                 <a:spcPts val="600"/>
               </a:spcAft>
-              <a:buClrTx/>
-              <a:buSzTx/>
               <a:buFontTx/>
               <a:buChar char="•"/>
-              <a:tabLst/>
             </a:pPr>
             <a:r>
-              <a:rPr kumimoji="0" lang="en-US" altLang="en-US" sz="1900" i="0" u="none" strike="noStrike" cap="none" normalizeH="0" baseline="0">
+              <a:rPr kumimoji="0" lang="en-US" altLang="en-US" sz="1900" i="0" u="none" strike="noStrike" cap="none" normalizeH="0" baseline="0" dirty="0">
                 <a:ln>
                   <a:noFill/>
                 </a:ln>
@@ -11572,7 +13063,7 @@
           <p:nvPr/>
         </p:nvPicPr>
         <p:blipFill>
-          <a:blip r:embed="rId2"/>
+          <a:blip r:embed="rId3"/>
           <a:srcRect l="21590" r="11668"/>
           <a:stretch/>
         </p:blipFill>
@@ -11714,8 +13205,8 @@
           <a:p>
             <a:pPr algn="ctr"/>
             <a:r>
-              <a:rPr lang="en-US" sz="6600"/>
-              <a:t>Diagrams ERD(Steven)</a:t>
+              <a:rPr lang="en-US" sz="6600" dirty="0"/>
+              <a:t>Diagrams ERD</a:t>
             </a:r>
           </a:p>
         </p:txBody>
@@ -12005,42 +13496,6 @@
       </p:sp>
       <p:pic>
         <p:nvPicPr>
-          <p:cNvPr id="3" name="Graphic 2">
-            <a:extLst>
-              <a:ext uri="{FF2B5EF4-FFF2-40B4-BE49-F238E27FC236}">
-                <a16:creationId xmlns:a16="http://schemas.microsoft.com/office/drawing/2014/main" id="{401D3351-F371-9084-58E8-E3E55AEE3750}"/>
-              </a:ext>
-            </a:extLst>
-          </p:cNvPr>
-          <p:cNvPicPr>
-            <a:picLocks noChangeAspect="1"/>
-          </p:cNvPicPr>
-          <p:nvPr/>
-        </p:nvPicPr>
-        <p:blipFill>
-          <a:blip r:embed="rId2">
-            <a:extLst>
-              <a:ext uri="{96DAC541-7B7A-43D3-8B79-37D633B846F1}">
-                <asvg:svgBlip xmlns:asvg="http://schemas.microsoft.com/office/drawing/2016/SVG/main" r:embed="rId3"/>
-              </a:ext>
-            </a:extLst>
-          </a:blip>
-          <a:stretch>
-            <a:fillRect/>
-          </a:stretch>
-        </p:blipFill>
-        <p:spPr>
-          <a:xfrm>
-            <a:off x="1324356" y="2642616"/>
-            <a:ext cx="3605784" cy="3605784"/>
-          </a:xfrm>
-          <a:prstGeom prst="rect">
-            <a:avLst/>
-          </a:prstGeom>
-        </p:spPr>
-      </p:pic>
-      <p:pic>
-        <p:nvPicPr>
           <p:cNvPr id="5" name="Content Placeholder 4" descr="A screenshot of a computer&#10;&#10;AI-generated content may be incorrect.">
             <a:extLst>
               <a:ext uri="{FF2B5EF4-FFF2-40B4-BE49-F238E27FC236}">
@@ -12056,7 +13511,7 @@
           </p:nvPr>
         </p:nvPicPr>
         <p:blipFill>
-          <a:blip r:embed="rId4">
+          <a:blip r:embed="rId3">
             <a:extLst>
               <a:ext uri="{28A0092B-C50C-407E-A947-70E740481C1C}">
                 <a14:useLocalDpi xmlns:a14="http://schemas.microsoft.com/office/drawing/2010/main" val="0"/>
@@ -12069,8 +13524,44 @@
         </p:blipFill>
         <p:spPr>
           <a:xfrm>
-            <a:off x="4664332" y="2719427"/>
-            <a:ext cx="6482933" cy="3452161"/>
+            <a:off x="2014151" y="1997349"/>
+            <a:ext cx="10177849" cy="4732273"/>
+          </a:xfrm>
+          <a:prstGeom prst="rect">
+            <a:avLst/>
+          </a:prstGeom>
+        </p:spPr>
+      </p:pic>
+      <p:pic>
+        <p:nvPicPr>
+          <p:cNvPr id="3" name="Graphic 2">
+            <a:extLst>
+              <a:ext uri="{FF2B5EF4-FFF2-40B4-BE49-F238E27FC236}">
+                <a16:creationId xmlns:a16="http://schemas.microsoft.com/office/drawing/2014/main" id="{401D3351-F371-9084-58E8-E3E55AEE3750}"/>
+              </a:ext>
+            </a:extLst>
+          </p:cNvPr>
+          <p:cNvPicPr>
+            <a:picLocks noChangeAspect="1"/>
+          </p:cNvPicPr>
+          <p:nvPr/>
+        </p:nvPicPr>
+        <p:blipFill>
+          <a:blip r:embed="rId4">
+            <a:extLst>
+              <a:ext uri="{96DAC541-7B7A-43D3-8B79-37D633B846F1}">
+                <asvg:svgBlip xmlns:asvg="http://schemas.microsoft.com/office/drawing/2016/SVG/main" r:embed="rId5"/>
+              </a:ext>
+            </a:extLst>
+          </a:blip>
+          <a:stretch>
+            <a:fillRect/>
+          </a:stretch>
+        </p:blipFill>
+        <p:spPr>
+          <a:xfrm>
+            <a:off x="775427" y="2563729"/>
+            <a:ext cx="3281017" cy="3281017"/>
           </a:xfrm>
           <a:prstGeom prst="rect">
             <a:avLst/>
@@ -12190,7 +13681,7 @@
           <p:nvPr/>
         </p:nvPicPr>
         <p:blipFill>
-          <a:blip r:embed="rId2"/>
+          <a:blip r:embed="rId3"/>
           <a:srcRect l="16621" r="27887"/>
           <a:stretch/>
         </p:blipFill>
@@ -12367,8 +13858,8 @@
           <a:lstStyle/>
           <a:p>
             <a:r>
-              <a:rPr lang="en-US" sz="4000"/>
-              <a:t>Backend SQL Functions(Steven)</a:t>
+              <a:rPr lang="en-US" sz="4000" dirty="0"/>
+              <a:t>Backend SQL Functions</a:t>
             </a:r>
           </a:p>
         </p:txBody>
@@ -12391,7 +13882,7 @@
         </p:nvSpPr>
         <p:spPr>
           <a:xfrm>
-            <a:off x="761801" y="2884929"/>
+            <a:off x="821116" y="2884937"/>
             <a:ext cx="4659756" cy="3374137"/>
           </a:xfrm>
         </p:spPr>
@@ -12402,34 +13893,48 @@
           <a:lstStyle/>
           <a:p>
             <a:r>
-              <a:rPr lang="en-US" sz="1400"/>
-              <a:t>FPC </a:t>
+              <a:rPr lang="en-US" sz="1900" dirty="0"/>
+              <a:t>Functional Project Components (FPC)</a:t>
             </a:r>
           </a:p>
           <a:p>
             <a:pPr lvl="1"/>
             <a:r>
-              <a:rPr lang="en-US" sz="1400"/>
-              <a:t>The Functional Project Components (FPC) of PriceScout enable users to log in, track up to 10 tech-related items, and compare real-time prices across major retailers. The app features live data visualization and trending item analysis, all while ensuring session-based data handling to comply with API usage policies.</a:t>
-            </a:r>
-          </a:p>
-          <a:p>
-            <a:r>
-              <a:rPr lang="en-US" sz="1400"/>
+              <a:rPr lang="en-US" sz="1900" dirty="0"/>
+              <a:t>log in, </a:t>
+            </a:r>
+          </a:p>
+          <a:p>
+            <a:pPr lvl="1"/>
+            <a:r>
+              <a:rPr lang="en-US" sz="1900" dirty="0"/>
+              <a:t>track up to 10 items</a:t>
+            </a:r>
+          </a:p>
+          <a:p>
+            <a:pPr lvl="1"/>
+            <a:r>
+              <a:rPr lang="en-US" sz="1900" dirty="0"/>
+              <a:t>compare real-time prices</a:t>
+            </a:r>
+          </a:p>
+          <a:p>
+            <a:r>
+              <a:rPr lang="en-US" sz="1900" dirty="0"/>
               <a:t>Fetch script</a:t>
             </a:r>
           </a:p>
           <a:p>
             <a:r>
-              <a:rPr lang="en-US" sz="1400"/>
+              <a:rPr lang="en-US" sz="1900" dirty="0"/>
               <a:t>Product dump Trigger</a:t>
             </a:r>
           </a:p>
           <a:p>
             <a:pPr lvl="1"/>
             <a:r>
-              <a:rPr lang="en-US" sz="1400"/>
-              <a:t>This ensures that we stay in line with the TOS with the api we are using. We cannot store data for multiple uses, the trigger will set a timer once data has been called and then delete it after the timer goes off.</a:t>
+              <a:rPr lang="en-US" sz="1900" dirty="0"/>
+              <a:t>This ensures that we stay in line with the TOS with the APIs we are using.</a:t>
             </a:r>
           </a:p>
         </p:txBody>
@@ -12522,7 +14027,7 @@
           <p:nvPr/>
         </p:nvPicPr>
         <p:blipFill>
-          <a:blip r:embed="rId2">
+          <a:blip r:embed="rId3">
             <a:extLst>
               <a:ext uri="{28A0092B-C50C-407E-A947-70E740481C1C}">
                 <a14:useLocalDpi xmlns:a14="http://schemas.microsoft.com/office/drawing/2010/main" val="0"/>
@@ -13203,7 +14708,7 @@
         </p:xfrm>
         <a:graphic>
           <a:graphicData uri="http://schemas.openxmlformats.org/drawingml/2006/diagram">
-            <dgm:relIds xmlns:dgm="http://schemas.openxmlformats.org/drawingml/2006/diagram" xmlns:r="http://schemas.openxmlformats.org/officeDocument/2006/relationships" r:dm="rId3" r:lo="rId4" r:qs="rId5" r:cs="rId6"/>
+            <dgm:relIds xmlns:dgm="http://schemas.openxmlformats.org/drawingml/2006/diagram" xmlns:r="http://schemas.openxmlformats.org/officeDocument/2006/relationships" r:dm="rId4" r:lo="rId5" r:qs="rId6" r:cs="rId7"/>
           </a:graphicData>
         </a:graphic>
       </p:graphicFrame>
@@ -13222,10 +14727,10 @@
           <p:nvPr/>
         </p:nvPicPr>
         <p:blipFill>
-          <a:blip r:embed="rId8">
+          <a:blip r:embed="rId9">
             <a:extLst>
               <a:ext uri="{96DAC541-7B7A-43D3-8B79-37D633B846F1}">
-                <asvg:svgBlip xmlns:asvg="http://schemas.microsoft.com/office/drawing/2016/SVG/main" r:embed="rId9"/>
+                <asvg:svgBlip xmlns:asvg="http://schemas.microsoft.com/office/drawing/2016/SVG/main" r:embed="rId10"/>
               </a:ext>
             </a:extLst>
           </a:blip>
@@ -13705,7 +15210,7 @@
           <a:lstStyle/>
           <a:p>
             <a:r>
-              <a:rPr lang="en-US" sz="2800" kern="1200">
+              <a:rPr lang="en-US" sz="2800" kern="1200" dirty="0">
                 <a:solidFill>
                   <a:schemeClr val="tx1"/>
                 </a:solidFill>
@@ -13713,7 +15218,7 @@
                 <a:ea typeface="+mj-ea"/>
                 <a:cs typeface="+mj-cs"/>
               </a:rPr>
-              <a:t>Diagrams DFD(Steven)</a:t>
+              <a:t>Diagrams DFD</a:t>
             </a:r>
           </a:p>
         </p:txBody>
@@ -14082,7 +15587,7 @@
           <p:nvPr/>
         </p:nvPicPr>
         <p:blipFill>
-          <a:blip r:embed="rId2">
+          <a:blip r:embed="rId3">
             <a:alphaModFix/>
           </a:blip>
           <a:stretch>
@@ -14429,4 +15934,319 @@
     </a:ext>
   </a:extLst>
 </a:theme>
+</file>
+
+<file path=ppt/theme/theme2.xml><?xml version="1.0" encoding="utf-8"?>
+<a:theme xmlns:a="http://schemas.openxmlformats.org/drawingml/2006/main" name="Office Theme">
+  <a:themeElements>
+    <a:clrScheme name="Office">
+      <a:dk1>
+        <a:sysClr val="windowText" lastClr="000000"/>
+      </a:dk1>
+      <a:lt1>
+        <a:sysClr val="window" lastClr="FFFFFF"/>
+      </a:lt1>
+      <a:dk2>
+        <a:srgbClr val="0E2841"/>
+      </a:dk2>
+      <a:lt2>
+        <a:srgbClr val="E8E8E8"/>
+      </a:lt2>
+      <a:accent1>
+        <a:srgbClr val="156082"/>
+      </a:accent1>
+      <a:accent2>
+        <a:srgbClr val="E97132"/>
+      </a:accent2>
+      <a:accent3>
+        <a:srgbClr val="196B24"/>
+      </a:accent3>
+      <a:accent4>
+        <a:srgbClr val="0F9ED5"/>
+      </a:accent4>
+      <a:accent5>
+        <a:srgbClr val="A02B93"/>
+      </a:accent5>
+      <a:accent6>
+        <a:srgbClr val="4EA72E"/>
+      </a:accent6>
+      <a:hlink>
+        <a:srgbClr val="467886"/>
+      </a:hlink>
+      <a:folHlink>
+        <a:srgbClr val="96607D"/>
+      </a:folHlink>
+    </a:clrScheme>
+    <a:fontScheme name="Office">
+      <a:majorFont>
+        <a:latin typeface="Aptos Display" panose="02110004020202020204"/>
+        <a:ea typeface=""/>
+        <a:cs typeface=""/>
+        <a:font script="Jpan" typeface="游ゴシック Light"/>
+        <a:font script="Hang" typeface="맑은 고딕"/>
+        <a:font script="Hans" typeface="等线 Light"/>
+        <a:font script="Hant" typeface="新細明體"/>
+        <a:font script="Arab" typeface="Times New Roman"/>
+        <a:font script="Hebr" typeface="Times New Roman"/>
+        <a:font script="Thai" typeface="Angsana New"/>
+        <a:font script="Ethi" typeface="Nyala"/>
+        <a:font script="Beng" typeface="Vrinda"/>
+        <a:font script="Gujr" typeface="Shruti"/>
+        <a:font script="Khmr" typeface="MoolBoran"/>
+        <a:font script="Knda" typeface="Tunga"/>
+        <a:font script="Guru" typeface="Raavi"/>
+        <a:font script="Cans" typeface="Euphemia"/>
+        <a:font script="Cher" typeface="Plantagenet Cherokee"/>
+        <a:font script="Yiii" typeface="Microsoft Yi Baiti"/>
+        <a:font script="Tibt" typeface="Microsoft Himalaya"/>
+        <a:font script="Thaa" typeface="MV Boli"/>
+        <a:font script="Deva" typeface="Mangal"/>
+        <a:font script="Telu" typeface="Gautami"/>
+        <a:font script="Taml" typeface="Latha"/>
+        <a:font script="Syrc" typeface="Estrangelo Edessa"/>
+        <a:font script="Orya" typeface="Kalinga"/>
+        <a:font script="Mlym" typeface="Kartika"/>
+        <a:font script="Laoo" typeface="DokChampa"/>
+        <a:font script="Sinh" typeface="Iskoola Pota"/>
+        <a:font script="Mong" typeface="Mongolian Baiti"/>
+        <a:font script="Viet" typeface="Times New Roman"/>
+        <a:font script="Uigh" typeface="Microsoft Uighur"/>
+        <a:font script="Geor" typeface="Sylfaen"/>
+        <a:font script="Armn" typeface="Arial"/>
+        <a:font script="Bugi" typeface="Leelawadee UI"/>
+        <a:font script="Bopo" typeface="Microsoft JhengHei"/>
+        <a:font script="Java" typeface="Javanese Text"/>
+        <a:font script="Lisu" typeface="Segoe UI"/>
+        <a:font script="Mymr" typeface="Myanmar Text"/>
+        <a:font script="Nkoo" typeface="Ebrima"/>
+        <a:font script="Olck" typeface="Nirmala UI"/>
+        <a:font script="Osma" typeface="Ebrima"/>
+        <a:font script="Phag" typeface="Phagspa"/>
+        <a:font script="Syrn" typeface="Estrangelo Edessa"/>
+        <a:font script="Syrj" typeface="Estrangelo Edessa"/>
+        <a:font script="Syre" typeface="Estrangelo Edessa"/>
+        <a:font script="Sora" typeface="Nirmala UI"/>
+        <a:font script="Tale" typeface="Microsoft Tai Le"/>
+        <a:font script="Talu" typeface="Microsoft New Tai Lue"/>
+        <a:font script="Tfng" typeface="Ebrima"/>
+      </a:majorFont>
+      <a:minorFont>
+        <a:latin typeface="Aptos" panose="02110004020202020204"/>
+        <a:ea typeface=""/>
+        <a:cs typeface=""/>
+        <a:font script="Jpan" typeface="游ゴシック"/>
+        <a:font script="Hang" typeface="맑은 고딕"/>
+        <a:font script="Hans" typeface="等线"/>
+        <a:font script="Hant" typeface="新細明體"/>
+        <a:font script="Arab" typeface="Arial"/>
+        <a:font script="Hebr" typeface="Arial"/>
+        <a:font script="Thai" typeface="Cordia New"/>
+        <a:font script="Ethi" typeface="Nyala"/>
+        <a:font script="Beng" typeface="Vrinda"/>
+        <a:font script="Gujr" typeface="Shruti"/>
+        <a:font script="Khmr" typeface="DaunPenh"/>
+        <a:font script="Knda" typeface="Tunga"/>
+        <a:font script="Guru" typeface="Raavi"/>
+        <a:font script="Cans" typeface="Euphemia"/>
+        <a:font script="Cher" typeface="Plantagenet Cherokee"/>
+        <a:font script="Yiii" typeface="Microsoft Yi Baiti"/>
+        <a:font script="Tibt" typeface="Microsoft Himalaya"/>
+        <a:font script="Thaa" typeface="MV Boli"/>
+        <a:font script="Deva" typeface="Mangal"/>
+        <a:font script="Telu" typeface="Gautami"/>
+        <a:font script="Taml" typeface="Latha"/>
+        <a:font script="Syrc" typeface="Estrangelo Edessa"/>
+        <a:font script="Orya" typeface="Kalinga"/>
+        <a:font script="Mlym" typeface="Kartika"/>
+        <a:font script="Laoo" typeface="DokChampa"/>
+        <a:font script="Sinh" typeface="Iskoola Pota"/>
+        <a:font script="Mong" typeface="Mongolian Baiti"/>
+        <a:font script="Viet" typeface="Arial"/>
+        <a:font script="Uigh" typeface="Microsoft Uighur"/>
+        <a:font script="Geor" typeface="Sylfaen"/>
+        <a:font script="Armn" typeface="Arial"/>
+        <a:font script="Bugi" typeface="Leelawadee UI"/>
+        <a:font script="Bopo" typeface="Microsoft JhengHei"/>
+        <a:font script="Java" typeface="Javanese Text"/>
+        <a:font script="Lisu" typeface="Segoe UI"/>
+        <a:font script="Mymr" typeface="Myanmar Text"/>
+        <a:font script="Nkoo" typeface="Ebrima"/>
+        <a:font script="Olck" typeface="Nirmala UI"/>
+        <a:font script="Osma" typeface="Ebrima"/>
+        <a:font script="Phag" typeface="Phagspa"/>
+        <a:font script="Syrn" typeface="Estrangelo Edessa"/>
+        <a:font script="Syrj" typeface="Estrangelo Edessa"/>
+        <a:font script="Syre" typeface="Estrangelo Edessa"/>
+        <a:font script="Sora" typeface="Nirmala UI"/>
+        <a:font script="Tale" typeface="Microsoft Tai Le"/>
+        <a:font script="Talu" typeface="Microsoft New Tai Lue"/>
+        <a:font script="Tfng" typeface="Ebrima"/>
+      </a:minorFont>
+    </a:fontScheme>
+    <a:fmtScheme name="Office">
+      <a:fillStyleLst>
+        <a:solidFill>
+          <a:schemeClr val="phClr"/>
+        </a:solidFill>
+        <a:gradFill rotWithShape="1">
+          <a:gsLst>
+            <a:gs pos="0">
+              <a:schemeClr val="phClr">
+                <a:lumMod val="110000"/>
+                <a:satMod val="105000"/>
+                <a:tint val="67000"/>
+              </a:schemeClr>
+            </a:gs>
+            <a:gs pos="50000">
+              <a:schemeClr val="phClr">
+                <a:lumMod val="105000"/>
+                <a:satMod val="103000"/>
+                <a:tint val="73000"/>
+              </a:schemeClr>
+            </a:gs>
+            <a:gs pos="100000">
+              <a:schemeClr val="phClr">
+                <a:lumMod val="105000"/>
+                <a:satMod val="109000"/>
+                <a:tint val="81000"/>
+              </a:schemeClr>
+            </a:gs>
+          </a:gsLst>
+          <a:lin ang="5400000" scaled="0"/>
+        </a:gradFill>
+        <a:gradFill rotWithShape="1">
+          <a:gsLst>
+            <a:gs pos="0">
+              <a:schemeClr val="phClr">
+                <a:satMod val="103000"/>
+                <a:lumMod val="102000"/>
+                <a:tint val="94000"/>
+              </a:schemeClr>
+            </a:gs>
+            <a:gs pos="50000">
+              <a:schemeClr val="phClr">
+                <a:satMod val="110000"/>
+                <a:lumMod val="100000"/>
+                <a:shade val="100000"/>
+              </a:schemeClr>
+            </a:gs>
+            <a:gs pos="100000">
+              <a:schemeClr val="phClr">
+                <a:lumMod val="99000"/>
+                <a:satMod val="120000"/>
+                <a:shade val="78000"/>
+              </a:schemeClr>
+            </a:gs>
+          </a:gsLst>
+          <a:lin ang="5400000" scaled="0"/>
+        </a:gradFill>
+      </a:fillStyleLst>
+      <a:lnStyleLst>
+        <a:ln w="12700" cap="flat" cmpd="sng" algn="ctr">
+          <a:solidFill>
+            <a:schemeClr val="phClr"/>
+          </a:solidFill>
+          <a:prstDash val="solid"/>
+          <a:miter lim="800000"/>
+        </a:ln>
+        <a:ln w="19050" cap="flat" cmpd="sng" algn="ctr">
+          <a:solidFill>
+            <a:schemeClr val="phClr"/>
+          </a:solidFill>
+          <a:prstDash val="solid"/>
+          <a:miter lim="800000"/>
+        </a:ln>
+        <a:ln w="25400" cap="flat" cmpd="sng" algn="ctr">
+          <a:solidFill>
+            <a:schemeClr val="phClr"/>
+          </a:solidFill>
+          <a:prstDash val="solid"/>
+          <a:miter lim="800000"/>
+        </a:ln>
+      </a:lnStyleLst>
+      <a:effectStyleLst>
+        <a:effectStyle>
+          <a:effectLst/>
+        </a:effectStyle>
+        <a:effectStyle>
+          <a:effectLst/>
+        </a:effectStyle>
+        <a:effectStyle>
+          <a:effectLst>
+            <a:outerShdw blurRad="57150" dist="19050" dir="5400000" algn="ctr" rotWithShape="0">
+              <a:srgbClr val="000000">
+                <a:alpha val="63000"/>
+              </a:srgbClr>
+            </a:outerShdw>
+          </a:effectLst>
+        </a:effectStyle>
+      </a:effectStyleLst>
+      <a:bgFillStyleLst>
+        <a:solidFill>
+          <a:schemeClr val="phClr"/>
+        </a:solidFill>
+        <a:solidFill>
+          <a:schemeClr val="phClr">
+            <a:tint val="95000"/>
+            <a:satMod val="170000"/>
+          </a:schemeClr>
+        </a:solidFill>
+        <a:gradFill rotWithShape="1">
+          <a:gsLst>
+            <a:gs pos="0">
+              <a:schemeClr val="phClr">
+                <a:tint val="93000"/>
+                <a:satMod val="150000"/>
+                <a:shade val="98000"/>
+                <a:lumMod val="102000"/>
+              </a:schemeClr>
+            </a:gs>
+            <a:gs pos="50000">
+              <a:schemeClr val="phClr">
+                <a:tint val="98000"/>
+                <a:satMod val="130000"/>
+                <a:shade val="90000"/>
+                <a:lumMod val="103000"/>
+              </a:schemeClr>
+            </a:gs>
+            <a:gs pos="100000">
+              <a:schemeClr val="phClr">
+                <a:shade val="63000"/>
+                <a:satMod val="120000"/>
+              </a:schemeClr>
+            </a:gs>
+          </a:gsLst>
+          <a:lin ang="5400000" scaled="0"/>
+        </a:gradFill>
+      </a:bgFillStyleLst>
+    </a:fmtScheme>
+  </a:themeElements>
+  <a:objectDefaults>
+    <a:lnDef>
+      <a:spPr/>
+      <a:bodyPr/>
+      <a:lstStyle/>
+      <a:style>
+        <a:lnRef idx="2">
+          <a:schemeClr val="accent1"/>
+        </a:lnRef>
+        <a:fillRef idx="0">
+          <a:schemeClr val="accent1"/>
+        </a:fillRef>
+        <a:effectRef idx="1">
+          <a:schemeClr val="accent1"/>
+        </a:effectRef>
+        <a:fontRef idx="minor">
+          <a:schemeClr val="tx1"/>
+        </a:fontRef>
+      </a:style>
+    </a:lnDef>
+  </a:objectDefaults>
+  <a:extraClrSchemeLst/>
+  <a:extLst>
+    <a:ext uri="{05A4C25C-085E-4340-85A3-A5531E510DB2}">
+      <thm15:themeFamily xmlns:thm15="http://schemas.microsoft.com/office/thememl/2012/main" name="Office Theme" id="{2E142A2C-CD16-42D6-873A-C26D2A0506FA}" vid="{1BDDFF52-6CD6-40A5-AB3C-68EB2F1E4D0A}"/>
+    </a:ext>
+  </a:extLst>
+</a:theme>
 </file>
--- a/docs/phase_three_docs/Phase_Three_Presentation.pptx
+++ b/docs/phase_three_docs/Phase_Three_Presentation.pptx
@@ -123,6 +123,51 @@
     </p:ext>
   </p:extLst>
 </p:presentation>
+</file>
+
+<file path=ppt/changesInfos/changesInfo1.xml><?xml version="1.0" encoding="utf-8"?>
+<pc:chgInfo xmlns:a="http://schemas.openxmlformats.org/drawingml/2006/main" xmlns:r="http://schemas.openxmlformats.org/officeDocument/2006/relationships" xmlns:ac="http://schemas.microsoft.com/office/drawing/2013/main/command" xmlns:pc="http://schemas.microsoft.com/office/powerpoint/2013/main/command">
+  <pc:docChgLst>
+    <pc:chgData name="steven longhofer" userId="cce39a29f9ad5b99" providerId="LiveId" clId="{0C844A31-BCFB-4BB1-8D42-814AFE52870E}"/>
+    <pc:docChg chg="custSel modSld">
+      <pc:chgData name="steven longhofer" userId="cce39a29f9ad5b99" providerId="LiveId" clId="{0C844A31-BCFB-4BB1-8D42-814AFE52870E}" dt="2025-04-13T21:20:11.207" v="16" actId="1076"/>
+      <pc:docMkLst>
+        <pc:docMk/>
+      </pc:docMkLst>
+      <pc:sldChg chg="addSp delSp modSp mod">
+        <pc:chgData name="steven longhofer" userId="cce39a29f9ad5b99" providerId="LiveId" clId="{0C844A31-BCFB-4BB1-8D42-814AFE52870E}" dt="2025-04-13T21:20:11.207" v="16" actId="1076"/>
+        <pc:sldMkLst>
+          <pc:docMk/>
+          <pc:sldMk cId="3428361100" sldId="265"/>
+        </pc:sldMkLst>
+        <pc:spChg chg="add del mod">
+          <ac:chgData name="steven longhofer" userId="cce39a29f9ad5b99" providerId="LiveId" clId="{0C844A31-BCFB-4BB1-8D42-814AFE52870E}" dt="2025-04-13T21:17:41.838" v="3" actId="478"/>
+          <ac:spMkLst>
+            <pc:docMk/>
+            <pc:sldMk cId="3428361100" sldId="265"/>
+            <ac:spMk id="6" creationId="{3C205D9C-4DD6-45B3-8322-50FF13AA56DD}"/>
+          </ac:spMkLst>
+        </pc:spChg>
+        <pc:picChg chg="del mod">
+          <ac:chgData name="steven longhofer" userId="cce39a29f9ad5b99" providerId="LiveId" clId="{0C844A31-BCFB-4BB1-8D42-814AFE52870E}" dt="2025-04-13T21:17:33.712" v="2" actId="478"/>
+          <ac:picMkLst>
+            <pc:docMk/>
+            <pc:sldMk cId="3428361100" sldId="265"/>
+            <ac:picMk id="5" creationId="{0F23C60D-4F2C-F9E0-E88C-62D156E67C25}"/>
+          </ac:picMkLst>
+        </pc:picChg>
+        <pc:picChg chg="add mod">
+          <ac:chgData name="steven longhofer" userId="cce39a29f9ad5b99" providerId="LiveId" clId="{0C844A31-BCFB-4BB1-8D42-814AFE52870E}" dt="2025-04-13T21:20:11.207" v="16" actId="1076"/>
+          <ac:picMkLst>
+            <pc:docMk/>
+            <pc:sldMk cId="3428361100" sldId="265"/>
+            <ac:picMk id="8" creationId="{B36BC4A8-26BA-0FF1-E521-E9562778DA5A}"/>
+          </ac:picMkLst>
+        </pc:picChg>
+      </pc:sldChg>
+    </pc:docChg>
+  </pc:docChgLst>
+</pc:chgInfo>
 </file>
 
 <file path=ppt/diagrams/colors1.xml><?xml version="1.0" encoding="utf-8"?>
@@ -10770,11 +10815,11 @@
   <p:clrMapOvr>
     <a:masterClrMapping/>
   </p:clrMapOvr>
-  <mc:AlternateContent xmlns:mc="http://schemas.openxmlformats.org/markup-compatibility/2006">
-    <mc:Choice xmlns:p14="http://schemas.microsoft.com/office/powerpoint/2010/main" Requires="p14">
+  <mc:AlternateContent xmlns:mc="http://schemas.openxmlformats.org/markup-compatibility/2006" xmlns:p14="http://schemas.microsoft.com/office/powerpoint/2010/main">
+    <mc:Choice Requires="p14">
       <p:transition spd="slow" p14:dur="2000" advClick="0" advTm="1500"/>
     </mc:Choice>
-    <mc:Fallback>
+    <mc:Fallback xmlns="">
       <p:transition spd="slow" advClick="0" advTm="1500"/>
     </mc:Fallback>
   </mc:AlternateContent>
@@ -13496,44 +13541,6 @@
       </p:sp>
       <p:pic>
         <p:nvPicPr>
-          <p:cNvPr id="5" name="Content Placeholder 4" descr="A screenshot of a computer&#10;&#10;AI-generated content may be incorrect.">
-            <a:extLst>
-              <a:ext uri="{FF2B5EF4-FFF2-40B4-BE49-F238E27FC236}">
-                <a16:creationId xmlns:a16="http://schemas.microsoft.com/office/drawing/2014/main" id="{0F23C60D-4F2C-F9E0-E88C-62D156E67C25}"/>
-              </a:ext>
-            </a:extLst>
-          </p:cNvPr>
-          <p:cNvPicPr>
-            <a:picLocks noGrp="1" noChangeAspect="1"/>
-          </p:cNvPicPr>
-          <p:nvPr>
-            <p:ph idx="1"/>
-          </p:nvPr>
-        </p:nvPicPr>
-        <p:blipFill>
-          <a:blip r:embed="rId3">
-            <a:extLst>
-              <a:ext uri="{28A0092B-C50C-407E-A947-70E740481C1C}">
-                <a14:useLocalDpi xmlns:a14="http://schemas.microsoft.com/office/drawing/2010/main" val="0"/>
-              </a:ext>
-            </a:extLst>
-          </a:blip>
-          <a:stretch>
-            <a:fillRect/>
-          </a:stretch>
-        </p:blipFill>
-        <p:spPr>
-          <a:xfrm>
-            <a:off x="2014151" y="1997349"/>
-            <a:ext cx="10177849" cy="4732273"/>
-          </a:xfrm>
-          <a:prstGeom prst="rect">
-            <a:avLst/>
-          </a:prstGeom>
-        </p:spPr>
-      </p:pic>
-      <p:pic>
-        <p:nvPicPr>
           <p:cNvPr id="3" name="Graphic 2">
             <a:extLst>
               <a:ext uri="{FF2B5EF4-FFF2-40B4-BE49-F238E27FC236}">
@@ -13547,10 +13554,10 @@
           <p:nvPr/>
         </p:nvPicPr>
         <p:blipFill>
-          <a:blip r:embed="rId4">
+          <a:blip r:embed="rId3">
             <a:extLst>
               <a:ext uri="{96DAC541-7B7A-43D3-8B79-37D633B846F1}">
-                <asvg:svgBlip xmlns:asvg="http://schemas.microsoft.com/office/drawing/2016/SVG/main" r:embed="rId5"/>
+                <asvg:svgBlip xmlns:asvg="http://schemas.microsoft.com/office/drawing/2016/SVG/main" r:embed="rId4"/>
               </a:ext>
             </a:extLst>
           </a:blip>
@@ -13562,6 +13569,36 @@
           <a:xfrm>
             <a:off x="775427" y="2563729"/>
             <a:ext cx="3281017" cy="3281017"/>
+          </a:xfrm>
+          <a:prstGeom prst="rect">
+            <a:avLst/>
+          </a:prstGeom>
+        </p:spPr>
+      </p:pic>
+      <p:pic>
+        <p:nvPicPr>
+          <p:cNvPr id="8" name="Picture 7">
+            <a:extLst>
+              <a:ext uri="{FF2B5EF4-FFF2-40B4-BE49-F238E27FC236}">
+                <a16:creationId xmlns:a16="http://schemas.microsoft.com/office/drawing/2014/main" id="{B36BC4A8-26BA-0FF1-E521-E9562778DA5A}"/>
+              </a:ext>
+            </a:extLst>
+          </p:cNvPr>
+          <p:cNvPicPr>
+            <a:picLocks noChangeAspect="1"/>
+          </p:cNvPicPr>
+          <p:nvPr/>
+        </p:nvPicPr>
+        <p:blipFill>
+          <a:blip r:embed="rId5"/>
+          <a:stretch>
+            <a:fillRect/>
+          </a:stretch>
+        </p:blipFill>
+        <p:spPr>
+          <a:xfrm>
+            <a:off x="6127799" y="1973483"/>
+            <a:ext cx="4015518" cy="4015518"/>
           </a:xfrm>
           <a:prstGeom prst="rect">
             <a:avLst/>
@@ -15422,7 +15459,7 @@
               <a:buChar char="•"/>
             </a:pPr>
             <a:r>
-              <a:rPr lang="en-US" sz="900"/>
+              <a:rPr lang="en-US" sz="900" dirty="0"/>
               <a:t>[1] User → Frontend: Login request, search query, item tracking</a:t>
             </a:r>
           </a:p>
@@ -15438,8 +15475,16 @@
               <a:buChar char="•"/>
             </a:pPr>
             <a:r>
-              <a:rPr lang="en-US" sz="900"/>
-              <a:t>[2] Frontend → Supabase: Auth (Login/Logout via Google)</a:t>
+              <a:rPr lang="en-US" sz="900" dirty="0"/>
+              <a:t>[2] Frontend → </a:t>
+            </a:r>
+            <a:r>
+              <a:rPr lang="en-US" sz="900" dirty="0" err="1"/>
+              <a:t>Supabase</a:t>
+            </a:r>
+            <a:r>
+              <a:rPr lang="en-US" sz="900" dirty="0"/>
+              <a:t>: Auth (Login/Logout via Google)</a:t>
             </a:r>
           </a:p>
           <a:p>
@@ -15454,8 +15499,16 @@
               <a:buChar char="•"/>
             </a:pPr>
             <a:r>
-              <a:rPr lang="en-US" sz="900"/>
-              <a:t>[3] Supabase → Frontend: Auth response (success/failure)</a:t>
+              <a:rPr lang="en-US" sz="900" dirty="0"/>
+              <a:t>[3] </a:t>
+            </a:r>
+            <a:r>
+              <a:rPr lang="en-US" sz="900" dirty="0" err="1"/>
+              <a:t>Supabase</a:t>
+            </a:r>
+            <a:r>
+              <a:rPr lang="en-US" sz="900" dirty="0"/>
+              <a:t> → Frontend: Auth response (success/failure)</a:t>
             </a:r>
           </a:p>
           <a:p>
@@ -15470,7 +15523,7 @@
               <a:buChar char="•"/>
             </a:pPr>
             <a:r>
-              <a:rPr lang="en-US" sz="900"/>
+              <a:rPr lang="en-US" sz="900" dirty="0"/>
               <a:t>[4] Frontend → Backend: Search term or tracked item requests</a:t>
             </a:r>
           </a:p>
@@ -15486,7 +15539,7 @@
               <a:buChar char="•"/>
             </a:pPr>
             <a:r>
-              <a:rPr lang="en-US" sz="900"/>
+              <a:rPr lang="en-US" sz="900" dirty="0"/>
               <a:t>[5] Backend → Product APIs: Fetch price data in real-time</a:t>
             </a:r>
           </a:p>
@@ -15502,7 +15555,7 @@
               <a:buChar char="•"/>
             </a:pPr>
             <a:r>
-              <a:rPr lang="en-US" sz="900"/>
+              <a:rPr lang="en-US" sz="900" dirty="0"/>
               <a:t>[6] Product APIs → Backend: Return price data (brand, price, link)</a:t>
             </a:r>
           </a:p>
@@ -15518,7 +15571,7 @@
               <a:buChar char="•"/>
             </a:pPr>
             <a:r>
-              <a:rPr lang="en-US" sz="900"/>
+              <a:rPr lang="en-US" sz="900" dirty="0"/>
               <a:t>[7] Backend → Frontend: Send processed price results &amp; trends</a:t>
             </a:r>
           </a:p>
@@ -15534,7 +15587,7 @@
               <a:buChar char="•"/>
             </a:pPr>
             <a:r>
-              <a:rPr lang="en-US" sz="900"/>
+              <a:rPr lang="en-US" sz="900" dirty="0"/>
               <a:t>[8] Frontend → Backend: Request to visualize price trends</a:t>
             </a:r>
           </a:p>
@@ -15550,7 +15603,7 @@
               <a:buChar char="•"/>
             </a:pPr>
             <a:r>
-              <a:rPr lang="en-US" sz="900"/>
+              <a:rPr lang="en-US" sz="900" dirty="0"/>
               <a:t>[9] Backend → Frontend: Return graph/image of visualization</a:t>
             </a:r>
           </a:p>
@@ -15566,8 +15619,16 @@
               <a:buChar char="•"/>
             </a:pPr>
             <a:r>
-              <a:rPr lang="en-US" sz="900"/>
-              <a:t>[10] Backend → Supabase: Dump user session after timeout by trigger</a:t>
+              <a:rPr lang="en-US" sz="900" dirty="0"/>
+              <a:t>[10] Backend → </a:t>
+            </a:r>
+            <a:r>
+              <a:rPr lang="en-US" sz="900" dirty="0" err="1"/>
+              <a:t>Supabase</a:t>
+            </a:r>
+            <a:r>
+              <a:rPr lang="en-US" sz="900" dirty="0"/>
+              <a:t>: Dump user session after timeout by trigger</a:t>
             </a:r>
           </a:p>
         </p:txBody>

--- a/docs/phase_three_docs/Phase_Three_Presentation.pptx
+++ b/docs/phase_three_docs/Phase_Three_Presentation.pptx
@@ -13066,7 +13066,20 @@
                 </a:ln>
                 <a:effectLst/>
               </a:rPr>
-              <a:t> table to </a:t>
+              <a:t> table </a:t>
+            </a:r>
+            <a:r>
+              <a:rPr lang="en-US" altLang="en-US" sz="1900" dirty="0"/>
+              <a:t>cut</a:t>
+            </a:r>
+            <a:r>
+              <a:rPr kumimoji="0" lang="en-US" altLang="en-US" sz="1900" i="0" u="none" strike="noStrike" cap="none" normalizeH="0" baseline="0" dirty="0">
+                <a:ln>
+                  <a:noFill/>
+                </a:ln>
+                <a:effectLst/>
+              </a:rPr>
+              <a:t> </a:t>
             </a:r>
             <a:endParaRPr lang="en-US" altLang="en-US" sz="1900" dirty="0"/>
           </a:p>

--- a/docs/phase_three_docs/Phase_Three_Presentation.pptx
+++ b/docs/phase_three_docs/Phase_Three_Presentation.pptx
@@ -125,8 +125,56 @@
 </p:presentation>
 </file>
 
+<file path=ppt/revisionInfo.xml><?xml version="1.0" encoding="utf-8"?>
+<p1510:revInfo xmlns:a="http://schemas.openxmlformats.org/drawingml/2006/main" xmlns:r="http://schemas.openxmlformats.org/officeDocument/2006/relationships" xmlns:p1510="http://schemas.microsoft.com/office/powerpoint/2015/10/main">
+  <p1510:revLst>
+    <p1510:client id="{20A33490-3E0B-494D-90CE-6F48D77F55E2}" v="1" dt="2025-04-14T06:06:38.023"/>
+  </p1510:revLst>
+</p1510:revInfo>
+</file>
+
 <file path=ppt/changesInfos/changesInfo1.xml><?xml version="1.0" encoding="utf-8"?>
 <pc:chgInfo xmlns:a="http://schemas.openxmlformats.org/drawingml/2006/main" xmlns:r="http://schemas.openxmlformats.org/officeDocument/2006/relationships" xmlns:ac="http://schemas.microsoft.com/office/drawing/2013/main/command" xmlns:pc="http://schemas.microsoft.com/office/powerpoint/2013/main/command">
+  <pc:docChgLst>
+    <pc:chgData name="steven longhofer" userId="cce39a29f9ad5b99" providerId="LiveId" clId="{20A33490-3E0B-494D-90CE-6F48D77F55E2}"/>
+    <pc:docChg chg="undo custSel modSld">
+      <pc:chgData name="steven longhofer" userId="cce39a29f9ad5b99" providerId="LiveId" clId="{20A33490-3E0B-494D-90CE-6F48D77F55E2}" dt="2025-04-14T06:07:51.329" v="22" actId="255"/>
+      <pc:docMkLst>
+        <pc:docMk/>
+      </pc:docMkLst>
+      <pc:sldChg chg="addSp delSp modSp mod">
+        <pc:chgData name="steven longhofer" userId="cce39a29f9ad5b99" providerId="LiveId" clId="{20A33490-3E0B-494D-90CE-6F48D77F55E2}" dt="2025-04-14T06:07:51.329" v="22" actId="255"/>
+        <pc:sldMkLst>
+          <pc:docMk/>
+          <pc:sldMk cId="159010553" sldId="264"/>
+        </pc:sldMkLst>
+        <pc:spChg chg="mod">
+          <ac:chgData name="steven longhofer" userId="cce39a29f9ad5b99" providerId="LiveId" clId="{20A33490-3E0B-494D-90CE-6F48D77F55E2}" dt="2025-04-14T06:07:51.329" v="22" actId="255"/>
+          <ac:spMkLst>
+            <pc:docMk/>
+            <pc:sldMk cId="159010553" sldId="264"/>
+            <ac:spMk id="6" creationId="{8BCBAE3B-F644-6A6D-614B-FEAFC9B69B53}"/>
+          </ac:spMkLst>
+        </pc:spChg>
+        <pc:picChg chg="add mod">
+          <ac:chgData name="steven longhofer" userId="cce39a29f9ad5b99" providerId="LiveId" clId="{20A33490-3E0B-494D-90CE-6F48D77F55E2}" dt="2025-04-14T06:05:35.407" v="6" actId="1076"/>
+          <ac:picMkLst>
+            <pc:docMk/>
+            <pc:sldMk cId="159010553" sldId="264"/>
+            <ac:picMk id="4" creationId="{731366DF-6C67-35D7-6576-3A8C646B7EBC}"/>
+          </ac:picMkLst>
+        </pc:picChg>
+        <pc:picChg chg="del">
+          <ac:chgData name="steven longhofer" userId="cce39a29f9ad5b99" providerId="LiveId" clId="{20A33490-3E0B-494D-90CE-6F48D77F55E2}" dt="2025-04-14T06:02:47.988" v="0" actId="478"/>
+          <ac:picMkLst>
+            <pc:docMk/>
+            <pc:sldMk cId="159010553" sldId="264"/>
+            <ac:picMk id="5" creationId="{EC84D1E6-4049-B734-15ED-164CA85294D6}"/>
+          </ac:picMkLst>
+        </pc:picChg>
+      </pc:sldChg>
+    </pc:docChg>
+  </pc:docChgLst>
   <pc:docChgLst>
     <pc:chgData name="steven longhofer" userId="cce39a29f9ad5b99" providerId="LiveId" clId="{0C844A31-BCFB-4BB1-8D42-814AFE52870E}"/>
     <pc:docChg chg="custSel modSld">
@@ -5840,7 +5888,7 @@
           <a:p>
             <a:fld id="{733A5DD6-FD79-4602-B3CA-512D458B09D3}" type="datetimeFigureOut">
               <a:rPr lang="en-US" smtClean="0"/>
-              <a:t>4/13/2025</a:t>
+              <a:t>4/14/2025</a:t>
             </a:fld>
             <a:endParaRPr lang="en-US"/>
           </a:p>
@@ -7378,7 +7426,7 @@
           <a:p>
             <a:fld id="{6030266D-0AF5-470D-AE20-1C8C917C7388}" type="datetimeFigureOut">
               <a:rPr lang="en-US" smtClean="0"/>
-              <a:t>4/13/2025</a:t>
+              <a:t>4/14/2025</a:t>
             </a:fld>
             <a:endParaRPr lang="en-US"/>
           </a:p>
@@ -7576,7 +7624,7 @@
           <a:p>
             <a:fld id="{6030266D-0AF5-470D-AE20-1C8C917C7388}" type="datetimeFigureOut">
               <a:rPr lang="en-US" smtClean="0"/>
-              <a:t>4/13/2025</a:t>
+              <a:t>4/14/2025</a:t>
             </a:fld>
             <a:endParaRPr lang="en-US"/>
           </a:p>
@@ -7784,7 +7832,7 @@
           <a:p>
             <a:fld id="{6030266D-0AF5-470D-AE20-1C8C917C7388}" type="datetimeFigureOut">
               <a:rPr lang="en-US" smtClean="0"/>
-              <a:t>4/13/2025</a:t>
+              <a:t>4/14/2025</a:t>
             </a:fld>
             <a:endParaRPr lang="en-US"/>
           </a:p>
@@ -7982,7 +8030,7 @@
           <a:p>
             <a:fld id="{6030266D-0AF5-470D-AE20-1C8C917C7388}" type="datetimeFigureOut">
               <a:rPr lang="en-US" smtClean="0"/>
-              <a:t>4/13/2025</a:t>
+              <a:t>4/14/2025</a:t>
             </a:fld>
             <a:endParaRPr lang="en-US"/>
           </a:p>
@@ -8257,7 +8305,7 @@
           <a:p>
             <a:fld id="{6030266D-0AF5-470D-AE20-1C8C917C7388}" type="datetimeFigureOut">
               <a:rPr lang="en-US" smtClean="0"/>
-              <a:t>4/13/2025</a:t>
+              <a:t>4/14/2025</a:t>
             </a:fld>
             <a:endParaRPr lang="en-US"/>
           </a:p>
@@ -8522,7 +8570,7 @@
           <a:p>
             <a:fld id="{6030266D-0AF5-470D-AE20-1C8C917C7388}" type="datetimeFigureOut">
               <a:rPr lang="en-US" smtClean="0"/>
-              <a:t>4/13/2025</a:t>
+              <a:t>4/14/2025</a:t>
             </a:fld>
             <a:endParaRPr lang="en-US"/>
           </a:p>
@@ -8934,7 +8982,7 @@
           <a:p>
             <a:fld id="{6030266D-0AF5-470D-AE20-1C8C917C7388}" type="datetimeFigureOut">
               <a:rPr lang="en-US" smtClean="0"/>
-              <a:t>4/13/2025</a:t>
+              <a:t>4/14/2025</a:t>
             </a:fld>
             <a:endParaRPr lang="en-US"/>
           </a:p>
@@ -9075,7 +9123,7 @@
           <a:p>
             <a:fld id="{6030266D-0AF5-470D-AE20-1C8C917C7388}" type="datetimeFigureOut">
               <a:rPr lang="en-US" smtClean="0"/>
-              <a:t>4/13/2025</a:t>
+              <a:t>4/14/2025</a:t>
             </a:fld>
             <a:endParaRPr lang="en-US"/>
           </a:p>
@@ -9188,7 +9236,7 @@
           <a:p>
             <a:fld id="{6030266D-0AF5-470D-AE20-1C8C917C7388}" type="datetimeFigureOut">
               <a:rPr lang="en-US" smtClean="0"/>
-              <a:t>4/13/2025</a:t>
+              <a:t>4/14/2025</a:t>
             </a:fld>
             <a:endParaRPr lang="en-US"/>
           </a:p>
@@ -9499,7 +9547,7 @@
           <a:p>
             <a:fld id="{6030266D-0AF5-470D-AE20-1C8C917C7388}" type="datetimeFigureOut">
               <a:rPr lang="en-US" smtClean="0"/>
-              <a:t>4/13/2025</a:t>
+              <a:t>4/14/2025</a:t>
             </a:fld>
             <a:endParaRPr lang="en-US"/>
           </a:p>
@@ -9787,7 +9835,7 @@
           <a:p>
             <a:fld id="{6030266D-0AF5-470D-AE20-1C8C917C7388}" type="datetimeFigureOut">
               <a:rPr lang="en-US" smtClean="0"/>
-              <a:t>4/13/2025</a:t>
+              <a:t>4/14/2025</a:t>
             </a:fld>
             <a:endParaRPr lang="en-US"/>
           </a:p>
@@ -10028,7 +10076,7 @@
           <a:p>
             <a:fld id="{6030266D-0AF5-470D-AE20-1C8C917C7388}" type="datetimeFigureOut">
               <a:rPr lang="en-US" smtClean="0"/>
-              <a:t>4/13/2025</a:t>
+              <a:t>4/14/2025</a:t>
             </a:fld>
             <a:endParaRPr lang="en-US"/>
           </a:p>
@@ -15449,7 +15497,7 @@
         <p:spPr>
           <a:xfrm>
             <a:off x="371094" y="2718054"/>
-            <a:ext cx="3438906" cy="3207258"/>
+            <a:ext cx="3711956" cy="3207258"/>
           </a:xfrm>
           <a:prstGeom prst="rect">
             <a:avLst/>
@@ -15472,8 +15520,8 @@
               <a:buChar char="•"/>
             </a:pPr>
             <a:r>
-              <a:rPr lang="en-US" sz="900" dirty="0"/>
-              <a:t>[1] User → Frontend: Login request, search query, item tracking</a:t>
+              <a:rPr lang="en-US" sz="1000" dirty="0"/>
+              <a:t>User → Frontend: Login request, search query, item tracking </a:t>
             </a:r>
           </a:p>
           <a:p>
@@ -15488,16 +15536,16 @@
               <a:buChar char="•"/>
             </a:pPr>
             <a:r>
-              <a:rPr lang="en-US" sz="900" dirty="0"/>
-              <a:t>[2] Frontend → </a:t>
-            </a:r>
-            <a:r>
-              <a:rPr lang="en-US" sz="900" dirty="0" err="1"/>
+              <a:rPr lang="en-US" sz="1000" dirty="0"/>
+              <a:t>Frontend → </a:t>
+            </a:r>
+            <a:r>
+              <a:rPr lang="en-US" sz="1000" dirty="0" err="1"/>
               <a:t>Supabase</a:t>
             </a:r>
             <a:r>
-              <a:rPr lang="en-US" sz="900" dirty="0"/>
-              <a:t>: Auth (Login/Logout via Google)</a:t>
+              <a:rPr lang="en-US" sz="1000" dirty="0"/>
+              <a:t>: Auth (Login/Logout via Google) </a:t>
             </a:r>
           </a:p>
           <a:p>
@@ -15512,16 +15560,12 @@
               <a:buChar char="•"/>
             </a:pPr>
             <a:r>
-              <a:rPr lang="en-US" sz="900" dirty="0"/>
-              <a:t>[3] </a:t>
-            </a:r>
-            <a:r>
-              <a:rPr lang="en-US" sz="900" dirty="0" err="1"/>
+              <a:rPr lang="en-US" sz="1000" dirty="0" err="1"/>
               <a:t>Supabase</a:t>
             </a:r>
             <a:r>
-              <a:rPr lang="en-US" sz="900" dirty="0"/>
-              <a:t> → Frontend: Auth response (success/failure)</a:t>
+              <a:rPr lang="en-US" sz="1000" dirty="0"/>
+              <a:t> → Frontend: Auth response (success/failure) </a:t>
             </a:r>
           </a:p>
           <a:p>
@@ -15536,8 +15580,8 @@
               <a:buChar char="•"/>
             </a:pPr>
             <a:r>
-              <a:rPr lang="en-US" sz="900" dirty="0"/>
-              <a:t>[4] Frontend → Backend: Search term or tracked item requests</a:t>
+              <a:rPr lang="en-US" sz="1000" dirty="0"/>
+              <a:t>Frontend → Backend: Search term or tracked item requests </a:t>
             </a:r>
           </a:p>
           <a:p>
@@ -15552,8 +15596,8 @@
               <a:buChar char="•"/>
             </a:pPr>
             <a:r>
-              <a:rPr lang="en-US" sz="900" dirty="0"/>
-              <a:t>[5] Backend → Product APIs: Fetch price data in real-time</a:t>
+              <a:rPr lang="en-US" sz="1000" dirty="0"/>
+              <a:t>Backend → Database: Request product price info for search/tracked items </a:t>
             </a:r>
           </a:p>
           <a:p>
@@ -15568,8 +15612,8 @@
               <a:buChar char="•"/>
             </a:pPr>
             <a:r>
-              <a:rPr lang="en-US" sz="900" dirty="0"/>
-              <a:t>[6] Product APIs → Backend: Return price data (brand, price, link)</a:t>
+              <a:rPr lang="en-US" sz="1000" dirty="0"/>
+              <a:t>Backend → Frontend: Send processed price results &amp; trends </a:t>
             </a:r>
           </a:p>
           <a:p>
@@ -15584,8 +15628,8 @@
               <a:buChar char="•"/>
             </a:pPr>
             <a:r>
-              <a:rPr lang="en-US" sz="900" dirty="0"/>
-              <a:t>[7] Backend → Frontend: Send processed price results &amp; trends</a:t>
+              <a:rPr lang="en-US" sz="1000" dirty="0"/>
+              <a:t>Frontend → Backend: Request to visualize price trends </a:t>
             </a:r>
           </a:p>
           <a:p>
@@ -15600,8 +15644,8 @@
               <a:buChar char="•"/>
             </a:pPr>
             <a:r>
-              <a:rPr lang="en-US" sz="900" dirty="0"/>
-              <a:t>[8] Frontend → Backend: Request to visualize price trends</a:t>
+              <a:rPr lang="en-US" sz="1000" dirty="0"/>
+              <a:t>Backend → Frontend: Return graph/image of visualization </a:t>
             </a:r>
           </a:p>
           <a:p>
@@ -15616,8 +15660,16 @@
               <a:buChar char="•"/>
             </a:pPr>
             <a:r>
-              <a:rPr lang="en-US" sz="900" dirty="0"/>
-              <a:t>[9] Backend → Frontend: Return graph/image of visualization</a:t>
+              <a:rPr lang="en-US" sz="1000" dirty="0"/>
+              <a:t>Backend → </a:t>
+            </a:r>
+            <a:r>
+              <a:rPr lang="en-US" sz="1000" dirty="0" err="1"/>
+              <a:t>Supabase</a:t>
+            </a:r>
+            <a:r>
+              <a:rPr lang="en-US" sz="1000" dirty="0"/>
+              <a:t>: Trigger session cleanup (delete pricing data) after timeout </a:t>
             </a:r>
           </a:p>
           <a:p>
@@ -15632,26 +15684,18 @@
               <a:buChar char="•"/>
             </a:pPr>
             <a:r>
-              <a:rPr lang="en-US" sz="900" dirty="0"/>
-              <a:t>[10] Backend → </a:t>
-            </a:r>
-            <a:r>
-              <a:rPr lang="en-US" sz="900" dirty="0" err="1"/>
-              <a:t>Supabase</a:t>
-            </a:r>
-            <a:r>
-              <a:rPr lang="en-US" sz="900" dirty="0"/>
-              <a:t>: Dump user session after timeout by trigger</a:t>
+              <a:rPr lang="en-US" sz="1000" dirty="0"/>
+              <a:t>Product APIs → Database: Periodically store product data independently (real-time or on schedule)</a:t>
             </a:r>
           </a:p>
         </p:txBody>
       </p:sp>
       <p:pic>
         <p:nvPicPr>
-          <p:cNvPr id="5" name="Picture 4">
+          <p:cNvPr id="4" name="Picture 3">
             <a:extLst>
               <a:ext uri="{FF2B5EF4-FFF2-40B4-BE49-F238E27FC236}">
-                <a16:creationId xmlns:a16="http://schemas.microsoft.com/office/drawing/2014/main" id="{EC84D1E6-4049-B734-15ED-164CA85294D6}"/>
+                <a16:creationId xmlns:a16="http://schemas.microsoft.com/office/drawing/2014/main" id="{731366DF-6C67-35D7-6576-3A8C646B7EBC}"/>
               </a:ext>
             </a:extLst>
           </p:cNvPr>
@@ -15661,25 +15705,19 @@
           <p:nvPr/>
         </p:nvPicPr>
         <p:blipFill>
-          <a:blip r:embed="rId3">
-            <a:alphaModFix/>
-          </a:blip>
+          <a:blip r:embed="rId3"/>
           <a:stretch>
             <a:fillRect/>
           </a:stretch>
         </p:blipFill>
         <p:spPr>
           <a:xfrm>
-            <a:off x="4901184" y="1195029"/>
-            <a:ext cx="6922008" cy="4568525"/>
+            <a:off x="4673189" y="704088"/>
+            <a:ext cx="6126282" cy="5085524"/>
           </a:xfrm>
           <a:prstGeom prst="rect">
             <a:avLst/>
           </a:prstGeom>
-          <a:noFill/>
-          <a:ln>
-            <a:noFill/>
-          </a:ln>
         </p:spPr>
       </p:pic>
     </p:spTree>
